--- a/SEO_Strategy.pptx
+++ b/SEO_Strategy.pptx
@@ -19,6 +19,18 @@
     <p:sldId id="267" r:id="rId18"/>
     <p:sldId id="268" r:id="rId19"/>
     <p:sldId id="269" r:id="rId20"/>
+    <p:sldId id="270" r:id="rId21"/>
+    <p:sldId id="271" r:id="rId22"/>
+    <p:sldId id="272" r:id="rId23"/>
+    <p:sldId id="273" r:id="rId24"/>
+    <p:sldId id="274" r:id="rId25"/>
+    <p:sldId id="275" r:id="rId26"/>
+    <p:sldId id="276" r:id="rId27"/>
+    <p:sldId id="277" r:id="rId28"/>
+    <p:sldId id="278" r:id="rId29"/>
+    <p:sldId id="279" r:id="rId30"/>
+    <p:sldId id="280" r:id="rId31"/>
+    <p:sldId id="281" r:id="rId32"/>
   </p:sldIdLst>
   <p:sldSz cx="9144000" cy="6858000" type="screen4x3"/>
   <p:notesSz cx="6858000" cy="9144000"/>
@@ -3195,14 +3207,35 @@
       <p:grpSpPr/>
       <p:sp>
         <p:nvSpPr>
-          <p:cNvPr id="2" name="TextBox 1"/>
+          <p:cNvPr id="2" name="Title 1"/>
+          <p:cNvSpPr>
+            <a:spLocks noGrp="1"/>
+          </p:cNvSpPr>
+          <p:nvPr>
+            <p:ph type="title"/>
+          </p:nvPr>
+        </p:nvSpPr>
+        <p:spPr/>
+        <p:txBody>
+          <a:bodyPr/>
+          <a:lstStyle/>
+          <a:p>
+            <a:r>
+              <a:t>Site Health Assessment</a:t>
+            </a:r>
+          </a:p>
+        </p:txBody>
+      </p:sp>
+      <p:sp>
+        <p:nvSpPr>
+          <p:cNvPr id="3" name="TextBox 2"/>
           <p:cNvSpPr txBox="1"/>
           <p:nvPr/>
         </p:nvSpPr>
         <p:spPr>
           <a:xfrm>
-            <a:off x="1828800" y="2743200"/>
-            <a:ext cx="5486400" cy="1371600"/>
+            <a:off x="914400" y="1645920"/>
+            <a:ext cx="7315200" cy="4572000"/>
           </a:xfrm>
           <a:prstGeom prst="rect">
             <a:avLst/>
@@ -3215,15 +3248,73 @@
           </a:bodyPr>
           <a:lstStyle/>
           <a:p>
-            <a:pPr algn="ctr">
-              <a:defRPr sz="3600" b="1">
-                <a:solidFill>
-                  <a:srgbClr val="002060"/>
-                </a:solidFill>
-              </a:defRPr>
-            </a:pPr>
-            <a:r>
-              <a:t>Technical Gaps Limiting Growth</a:t>
+            <a:pPr>
+              <a:defRPr sz="1200" b="1">
+                <a:solidFill>
+                  <a:srgbClr val="646464"/>
+                </a:solidFill>
+              </a:defRPr>
+            </a:pPr>
+            <a:r>
+              <a:t>KEY INSIGHT</a:t>
+            </a:r>
+          </a:p>
+          <a:p>
+            <a:pPr>
+              <a:spcAft>
+                <a:spcPts val="2000"/>
+              </a:spcAft>
+              <a:defRPr sz="1600" b="1"/>
+            </a:pPr>
+            <a:r>
+              <a:t>Technical foundation is solid at 75% health score, allowing strategic focus on content and authority optimization.</a:t>
+            </a:r>
+          </a:p>
+          <a:p>
+            <a:pPr>
+              <a:defRPr sz="1400"/>
+            </a:pPr>
+            <a:r>
+              <a:t>Health Score: 75%</a:t>
+            </a:r>
+          </a:p>
+          <a:p>
+            <a:pPr>
+              <a:defRPr sz="1400"/>
+            </a:pPr>
+            <a:r>
+              <a:t>Pages Crawled: 10,000</a:t>
+            </a:r>
+          </a:p>
+          <a:p>
+            <a:pPr>
+              <a:spcAft>
+                <a:spcPts val="2000"/>
+              </a:spcAft>
+              <a:defRPr sz="1400"/>
+            </a:pPr>
+            <a:r>
+              <a:t>Total Issues: 11</a:t>
+            </a:r>
+          </a:p>
+          <a:p>
+            <a:pPr>
+              <a:defRPr sz="1200" b="1">
+                <a:solidFill>
+                  <a:srgbClr val="646464"/>
+                </a:solidFill>
+              </a:defRPr>
+            </a:pPr>
+            <a:r>
+              <a:t>BUSINESS IMPACT</a:t>
+            </a:r>
+          </a:p>
+          <a:p>
+            <a:pPr>
+              <a:defRPr sz="1400"/>
+            </a:pPr>
+            <a:r>
+              <a:t>Strong technical foundation enables content and authority initiatives. Focus optimization efforts on high-value pages to maximize ROI.</a:t>
             </a:r>
           </a:p>
         </p:txBody>
@@ -3262,7 +3353,7 @@
           <a:lstStyle/>
           <a:p>
             <a:r>
-              <a:t>Technical Barriers to Growth</a:t>
+              <a:t>Where You Stand - Summary</a:t>
             </a:r>
           </a:p>
         </p:txBody>
@@ -3290,197 +3381,65 @@
           <a:lstStyle/>
           <a:p>
             <a:pPr>
-              <a:defRPr sz="1200" b="1">
-                <a:solidFill>
-                  <a:srgbClr val="646464"/>
-                </a:solidFill>
-              </a:defRPr>
-            </a:pPr>
-            <a:r>
-              <a:t>KEY INSIGHT</a:t>
-            </a:r>
-          </a:p>
-          <a:p>
-            <a:pPr>
-              <a:spcAft>
-                <a:spcPts val="2000"/>
-              </a:spcAft>
-              <a:defRPr sz="1500" b="1"/>
-            </a:pPr>
-            <a:r>
-              <a:t>**660 instances** are fragmenting site quality signals</a:t>
-            </a:r>
-          </a:p>
-          <a:p>
-            <a:pPr>
-              <a:defRPr sz="1200" b="1">
-                <a:solidFill>
-                  <a:srgbClr val="646464"/>
-                </a:solidFill>
-              </a:defRPr>
-            </a:pPr>
-            <a:r>
-              <a:t>CRITICAL TECHNICAL ISSUES</a:t>
+              <a:defRPr sz="1400" b="1">
+                <a:solidFill>
+                  <a:srgbClr val="002060"/>
+                </a:solidFill>
+              </a:defRPr>
+            </a:pPr>
+            <a:r>
+              <a:t>SUMMARY &amp; ACTION PLAN</a:t>
+            </a:r>
+          </a:p>
+          <a:p>
+            <a:br/>
+            <a:pPr>
+              <a:defRPr sz="1200" b="1"/>
+            </a:pPr>
+            <a:r>
+              <a:t>📋 What is the Issue?</a:t>
             </a:r>
           </a:p>
           <a:p>
             <a:pPr lvl="1">
-              <a:defRPr sz="1200"/>
-            </a:pPr>
-            <a:r>
-              <a:t>• uncached JavaScript detected across site</a:t>
-            </a:r>
-          </a:p>
-          <a:p>
-            <a:pPr lvl="2">
-              <a:defRPr sz="1000">
-                <a:solidFill>
-                  <a:srgbClr val="505050"/>
-                </a:solidFill>
-              </a:defRPr>
-            </a:pPr>
-            <a:r>
-              <a:t>  → 660 instances | Action: Prioritize remediation based on page value and traffic potential</a:t>
+              <a:defRPr sz="1100"/>
+            </a:pPr>
+            <a:r>
+              <a:t>• Site health at 75% indicates technical foundation gaps</a:t>
+            </a:r>
+          </a:p>
+          <a:p>
+            <a:br/>
+            <a:pPr>
+              <a:defRPr sz="1200" b="1"/>
+            </a:pPr>
+            <a:r>
+              <a:t>💥 What is the Impact?</a:t>
             </a:r>
           </a:p>
           <a:p>
             <a:pPr lvl="1">
-              <a:defRPr sz="1200"/>
-            </a:pPr>
-            <a:r>
-              <a:t>• Content depth insufficient for topical authority</a:t>
-            </a:r>
-          </a:p>
-          <a:p>
-            <a:pPr lvl="2">
-              <a:defRPr sz="1000">
-                <a:solidFill>
-                  <a:srgbClr val="505050"/>
-                </a:solidFill>
-              </a:defRPr>
-            </a:pPr>
-            <a:r>
-              <a:t>  → 277 instances | Action: Expand content depth on high-opportunity pages to establish expertise</a:t>
+              <a:defRPr sz="1100"/>
+            </a:pPr>
+            <a:r>
+              <a:t>• Google's crawl efficiency compromised, limiting indexation of valuable pages</a:t>
+            </a:r>
+          </a:p>
+          <a:p>
+            <a:br/>
+            <a:pPr>
+              <a:defRPr sz="1200" b="1"/>
+            </a:pPr>
+            <a:r>
+              <a:t>🎯 Our Next Action</a:t>
             </a:r>
           </a:p>
           <a:p>
             <a:pPr lvl="1">
-              <a:defRPr sz="1200"/>
-            </a:pPr>
-            <a:r>
-              <a:t>• URL architecture unstable with temporary redirect chains</a:t>
-            </a:r>
-          </a:p>
-          <a:p>
-            <a:pPr lvl="2">
-              <a:defRPr sz="1000">
-                <a:solidFill>
-                  <a:srgbClr val="505050"/>
-                </a:solidFill>
-              </a:defRPr>
-            </a:pPr>
-            <a:r>
-              <a:t>  → 235 instances | Action: Convert temporary (302) to permanent (301) redirects immediately</a:t>
-            </a:r>
-          </a:p>
-          <a:p>
-            <a:pPr lvl="1">
-              <a:defRPr sz="1200"/>
-            </a:pPr>
-            <a:r>
-              <a:t>• Critical link architecture failures creating navigation blind spots</a:t>
-            </a:r>
-          </a:p>
-          <a:p>
-            <a:pPr lvl="2">
-              <a:defRPr sz="1000">
-                <a:solidFill>
-                  <a:srgbClr val="505050"/>
-                </a:solidFill>
-              </a:defRPr>
-            </a:pPr>
-            <a:r>
-              <a:t>  → 53 instances | Action: Implement systematic link audit and remediation protocol</a:t>
-            </a:r>
-          </a:p>
-          <a:p>
-            <a:pPr lvl="1">
-              <a:defRPr sz="1200"/>
-            </a:pPr>
-            <a:r>
-              <a:t>• International targeting signals conflicting across markets</a:t>
-            </a:r>
-          </a:p>
-          <a:p>
-            <a:pPr lvl="2">
-              <a:defRPr sz="1000">
-                <a:solidFill>
-                  <a:srgbClr val="505050"/>
-                </a:solidFill>
-              </a:defRPr>
-            </a:pPr>
-            <a:r>
-              <a:t>  → 17 instances | Action: Audit and correct hreflang implementation across all markets</a:t>
-            </a:r>
-          </a:p>
-          <a:p>
-            <a:pPr lvl="1">
-              <a:defRPr sz="1200"/>
-            </a:pPr>
-            <a:r>
-              <a:t>• Pages returning error states to search engines</a:t>
-            </a:r>
-          </a:p>
-          <a:p>
-            <a:pPr lvl="2">
-              <a:defRPr sz="1000">
-                <a:solidFill>
-                  <a:srgbClr val="505050"/>
-                </a:solidFill>
-              </a:defRPr>
-            </a:pPr>
-            <a:r>
-              <a:t>  → 7 instances | Action: Restore indexability for high-value pages within 48 hours</a:t>
-            </a:r>
-          </a:p>
-          <a:p>
-            <a:pPr lvl="1">
-              <a:defRPr sz="1200"/>
-            </a:pPr>
-            <a:r>
-              <a:t>• Pages returned 4XX detected across site</a:t>
-            </a:r>
-          </a:p>
-          <a:p>
-            <a:pPr lvl="2">
-              <a:defRPr sz="1000">
-                <a:solidFill>
-                  <a:srgbClr val="505050"/>
-                </a:solidFill>
-              </a:defRPr>
-            </a:pPr>
-            <a:r>
-              <a:t>  → 7 instances | Action: Prioritize remediation based on page value and traffic potential</a:t>
-            </a:r>
-          </a:p>
-          <a:p>
-            <a:pPr lvl="1">
-              <a:defRPr sz="1200"/>
-            </a:pPr>
-            <a:r>
-              <a:t>• Security certificate expired or expiring soon</a:t>
-            </a:r>
-          </a:p>
-          <a:p>
-            <a:pPr lvl="2">
-              <a:defRPr sz="1000">
-                <a:solidFill>
-                  <a:srgbClr val="505050"/>
-                </a:solidFill>
-              </a:defRPr>
-            </a:pPr>
-            <a:r>
-              <a:t>  → 0 instances | Action: Renew SSL certificate immediately and implement auto-renewal</a:t>
+              <a:defRPr sz="1100"/>
+            </a:pPr>
+            <a:r>
+              <a:t>• Prioritize technical remediation to establish crawlability foundation</a:t>
             </a:r>
           </a:p>
         </p:txBody>
@@ -3533,7 +3492,7 @@
               </a:defRPr>
             </a:pPr>
             <a:r>
-              <a:t>Steps to Improve Your SEO</a:t>
+              <a:t>Content Visibility Gaps &amp; Insights</a:t>
             </a:r>
           </a:p>
         </p:txBody>
@@ -3572,7 +3531,7 @@
           <a:lstStyle/>
           <a:p>
             <a:r>
-              <a:t>Strategic Action Plan</a:t>
+              <a:t>Meta Tags &amp; Content Signals</a:t>
             </a:r>
           </a:p>
         </p:txBody>
@@ -3607,7 +3566,7 @@
               </a:defRPr>
             </a:pPr>
             <a:r>
-              <a:t>NEXT ACTION KEY MESSAGE</a:t>
+              <a:t>KEY INSIGHT</a:t>
             </a:r>
           </a:p>
           <a:p>
@@ -3618,97 +3577,51 @@
               <a:defRPr sz="1600" b="1"/>
             </a:pPr>
             <a:r>
-              <a:t>Leverage strong technical foundation to focus on content depth and authority building initiatives.</a:t>
-            </a:r>
-          </a:p>
-          <a:p>
-            <a:pPr>
-              <a:defRPr sz="1300" b="1">
-                <a:solidFill>
-                  <a:srgbClr val="9C27B0"/>
-                </a:solidFill>
-              </a:defRPr>
-            </a:pPr>
-            <a:r>
-              <a:t>TECHNICAL SEO</a:t>
+              <a:t>261 pages lack optimized meta signals, leaving snippet generation to Google and reducing click-through control.</a:t>
+            </a:r>
+          </a:p>
+          <a:p>
+            <a:pPr>
+              <a:defRPr sz="1200" b="1">
+                <a:solidFill>
+                  <a:srgbClr val="646464"/>
+                </a:solidFill>
+              </a:defRPr>
+            </a:pPr>
+            <a:r>
+              <a:t>CRITICAL META ISSUES</a:t>
             </a:r>
           </a:p>
           <a:p>
             <a:pPr lvl="1">
-              <a:defRPr sz="1100"/>
-            </a:pPr>
-            <a:r>
-              <a:t>• Issue: uncached JavaScript detected across site</a:t>
+              <a:defRPr sz="1300"/>
+            </a:pPr>
+            <a:r>
+              <a:t>• Duplicate H1: 257 pages</a:t>
             </a:r>
           </a:p>
           <a:p>
             <a:pPr lvl="1">
-              <a:defRPr sz="1100"/>
-            </a:pPr>
-            <a:r>
-              <a:t>• Action: Prioritize remediation based on page value and traffic potential</a:t>
-            </a:r>
-          </a:p>
-          <a:p>
-            <a:pPr>
-              <a:spcAft>
-                <a:spcPts val="1000"/>
-              </a:spcAft>
-            </a:pPr>
-          </a:p>
-          <a:p>
-            <a:pPr>
-              <a:defRPr sz="1300" b="1">
-                <a:solidFill>
-                  <a:srgbClr val="9C27B0"/>
-                </a:solidFill>
-              </a:defRPr>
-            </a:pPr>
-            <a:r>
-              <a:t>CONTENT SEO</a:t>
+              <a:defRPr sz="1300"/>
+            </a:pPr>
+            <a:r>
+              <a:t>• duplicate meta descriptions: 2 pages</a:t>
             </a:r>
           </a:p>
           <a:p>
             <a:pPr lvl="1">
-              <a:defRPr sz="1100"/>
-            </a:pPr>
-            <a:r>
-              <a:t>• Issue: Duplicate H1 affecting 257 pages</a:t>
+              <a:defRPr sz="1300"/>
+            </a:pPr>
+            <a:r>
+              <a:t>• Pages have duplicate meta: 2 pages</a:t>
             </a:r>
           </a:p>
           <a:p>
             <a:pPr lvl="1">
-              <a:defRPr sz="1100"/>
-            </a:pPr>
-            <a:r>
-              <a:t>• Action: Deploy unique meta descriptions prioritizing high-value pages</a:t>
-            </a:r>
-          </a:p>
-          <a:p>
-            <a:pPr>
-              <a:spcAft>
-                <a:spcPts val="1000"/>
-              </a:spcAft>
-            </a:pPr>
-          </a:p>
-          <a:p>
-            <a:pPr>
-              <a:defRPr sz="1300" b="1">
-                <a:solidFill>
-                  <a:srgbClr val="9C27B0"/>
-                </a:solidFill>
-              </a:defRPr>
-            </a:pPr>
-            <a:r>
-              <a:t>DOMAIN AUTHORITY</a:t>
-            </a:r>
-          </a:p>
-          <a:p>
-            <a:pPr lvl="1">
-              <a:defRPr sz="1100"/>
-            </a:pPr>
-            <a:r>
-              <a:t>• Focus: Build topical authority through strategic content and link acquisition</a:t>
+              <a:defRPr sz="1300"/>
+            </a:pPr>
+            <a:r>
+              <a:t>• Duplicate title: 0 pages</a:t>
             </a:r>
           </a:p>
         </p:txBody>
@@ -3733,6 +3646,397 @@
       <p:grpSpPr/>
       <p:sp>
         <p:nvSpPr>
+          <p:cNvPr id="2" name="Title 1"/>
+          <p:cNvSpPr>
+            <a:spLocks noGrp="1"/>
+          </p:cNvSpPr>
+          <p:nvPr>
+            <p:ph type="title"/>
+          </p:nvPr>
+        </p:nvSpPr>
+        <p:spPr/>
+        <p:txBody>
+          <a:bodyPr/>
+          <a:lstStyle/>
+          <a:p>
+            <a:r>
+              <a:t>Keyword Gap Analysis</a:t>
+            </a:r>
+          </a:p>
+        </p:txBody>
+      </p:sp>
+      <p:sp>
+        <p:nvSpPr>
+          <p:cNvPr id="3" name="TextBox 2"/>
+          <p:cNvSpPr txBox="1"/>
+          <p:nvPr/>
+        </p:nvSpPr>
+        <p:spPr>
+          <a:xfrm>
+            <a:off x="914400" y="1645920"/>
+            <a:ext cx="7315200" cy="4114800"/>
+          </a:xfrm>
+          <a:prstGeom prst="rect">
+            <a:avLst/>
+          </a:prstGeom>
+          <a:noFill/>
+        </p:spPr>
+        <p:txBody>
+          <a:bodyPr wrap="square">
+            <a:spAutoFit/>
+          </a:bodyPr>
+          <a:lstStyle/>
+          <a:p>
+            <a:pPr>
+              <a:defRPr sz="1200" b="1">
+                <a:solidFill>
+                  <a:srgbClr val="646464"/>
+                </a:solidFill>
+              </a:defRPr>
+            </a:pPr>
+            <a:r>
+              <a:t>KEY INSIGHT</a:t>
+            </a:r>
+          </a:p>
+          <a:p>
+            <a:pPr>
+              <a:spcAft>
+                <a:spcPts val="1500"/>
+              </a:spcAft>
+              <a:defRPr sz="1400" b="1"/>
+            </a:pPr>
+            <a:r>
+              <a:t>Keyword gap analysis reveals **uncaptured demand** flowing to competitors. Every missing keyword represents market share left on the table.</a:t>
+            </a:r>
+          </a:p>
+          <a:p>
+            <a:pPr>
+              <a:defRPr sz="1200" b="1">
+                <a:solidFill>
+                  <a:srgbClr val="646464"/>
+                </a:solidFill>
+              </a:defRPr>
+            </a:pPr>
+            <a:r>
+              <a:t>🎯 KEYWORD GAP OPPORTUNITY</a:t>
+            </a:r>
+          </a:p>
+          <a:p>
+            <a:pPr>
+              <a:defRPr sz="1100"/>
+            </a:pPr>
+            <a:r>
+              <a:t>Requires SEMrush Keyword Gap export showing:</a:t>
+            </a:r>
+          </a:p>
+          <a:p>
+            <a:pPr lvl="1">
+              <a:defRPr sz="1100"/>
+            </a:pPr>
+            <a:r>
+              <a:t>• Missing keywords (competitors rank, you don't)</a:t>
+            </a:r>
+          </a:p>
+          <a:p>
+            <a:pPr lvl="1">
+              <a:defRPr sz="1100"/>
+            </a:pPr>
+            <a:r>
+              <a:t>• Search volume per keyword</a:t>
+            </a:r>
+          </a:p>
+          <a:p>
+            <a:pPr lvl="1">
+              <a:defRPr sz="1100"/>
+            </a:pPr>
+            <a:r>
+              <a:t>• Keyword difficulty score</a:t>
+            </a:r>
+          </a:p>
+          <a:p>
+            <a:pPr lvl="1">
+              <a:defRPr sz="1100"/>
+            </a:pPr>
+            <a:r>
+              <a:t>• Which competitors own each keyword</a:t>
+            </a:r>
+          </a:p>
+        </p:txBody>
+      </p:sp>
+    </p:spTree>
+  </p:cSld>
+  <p:clrMapOvr>
+    <a:masterClrMapping/>
+  </p:clrMapOvr>
+</p:sld>
+</file>
+
+<file path=ppt/slides/slide15.xml><?xml version="1.0" encoding="utf-8"?>
+<p:sld xmlns:a="http://schemas.openxmlformats.org/drawingml/2006/main" xmlns:p="http://schemas.openxmlformats.org/presentationml/2006/main" xmlns:r="http://schemas.openxmlformats.org/officeDocument/2006/relationships">
+  <p:cSld>
+    <p:spTree>
+      <p:nvGrpSpPr>
+        <p:cNvPr id="1" name=""/>
+        <p:cNvGrpSpPr/>
+        <p:nvPr/>
+      </p:nvGrpSpPr>
+      <p:grpSpPr/>
+      <p:sp>
+        <p:nvSpPr>
+          <p:cNvPr id="2" name="Title 1"/>
+          <p:cNvSpPr>
+            <a:spLocks noGrp="1"/>
+          </p:cNvSpPr>
+          <p:nvPr>
+            <p:ph type="title"/>
+          </p:nvPr>
+        </p:nvSpPr>
+        <p:spPr/>
+        <p:txBody>
+          <a:bodyPr/>
+          <a:lstStyle/>
+          <a:p>
+            <a:r>
+              <a:t>Keyword Portfolio by Intent</a:t>
+            </a:r>
+          </a:p>
+        </p:txBody>
+      </p:sp>
+      <p:sp>
+        <p:nvSpPr>
+          <p:cNvPr id="3" name="TextBox 2"/>
+          <p:cNvSpPr txBox="1"/>
+          <p:nvPr/>
+        </p:nvSpPr>
+        <p:spPr>
+          <a:xfrm>
+            <a:off x="914400" y="1645920"/>
+            <a:ext cx="7315200" cy="4114800"/>
+          </a:xfrm>
+          <a:prstGeom prst="rect">
+            <a:avLst/>
+          </a:prstGeom>
+          <a:noFill/>
+        </p:spPr>
+        <p:txBody>
+          <a:bodyPr wrap="square">
+            <a:spAutoFit/>
+          </a:bodyPr>
+          <a:lstStyle/>
+          <a:p>
+            <a:pPr>
+              <a:defRPr sz="1200" b="1">
+                <a:solidFill>
+                  <a:srgbClr val="646464"/>
+                </a:solidFill>
+              </a:defRPr>
+            </a:pPr>
+            <a:r>
+              <a:t>KEY INSIGHT</a:t>
+            </a:r>
+          </a:p>
+          <a:p>
+            <a:pPr>
+              <a:spcAft>
+                <a:spcPts val="1500"/>
+              </a:spcAft>
+              <a:defRPr sz="1400"/>
+            </a:pPr>
+            <a:r>
+              <a:t>Intent distribution reveals funnel coverage. Behavioral keywords drive awareness, Device &amp; Utility keywords capture purchase intent.</a:t>
+            </a:r>
+          </a:p>
+          <a:p>
+            <a:pPr>
+              <a:defRPr sz="1200" b="1">
+                <a:solidFill>
+                  <a:srgbClr val="646464"/>
+                </a:solidFill>
+              </a:defRPr>
+            </a:pPr>
+            <a:r>
+              <a:t>📊 KEYWORD CATEGORY BREAKDOWN</a:t>
+            </a:r>
+          </a:p>
+          <a:p>
+            <a:pPr lvl="1">
+              <a:defRPr sz="1100"/>
+            </a:pPr>
+            <a:r>
+              <a:t>• Behavioral: How-to, guides, benefits → Awareness stage</a:t>
+            </a:r>
+          </a:p>
+          <a:p>
+            <a:pPr lvl="1">
+              <a:defRPr sz="1100"/>
+            </a:pPr>
+            <a:r>
+              <a:t>• Device &amp; Utility: Best, top, comparisons → Consideration stage</a:t>
+            </a:r>
+          </a:p>
+          <a:p>
+            <a:pPr lvl="1">
+              <a:defRPr sz="1100"/>
+            </a:pPr>
+            <a:r>
+              <a:t>• Brand: Brand + reviews, coupons → Decision stage</a:t>
+            </a:r>
+          </a:p>
+          <a:p>
+            <a:pPr lvl="1">
+              <a:defRPr sz="1100"/>
+            </a:pPr>
+            <a:r>
+              <a:t>• Location: Geo-modified terms → Local targeting</a:t>
+            </a:r>
+          </a:p>
+        </p:txBody>
+      </p:sp>
+    </p:spTree>
+  </p:cSld>
+  <p:clrMapOvr>
+    <a:masterClrMapping/>
+  </p:clrMapOvr>
+</p:sld>
+</file>
+
+<file path=ppt/slides/slide16.xml><?xml version="1.0" encoding="utf-8"?>
+<p:sld xmlns:a="http://schemas.openxmlformats.org/drawingml/2006/main" xmlns:p="http://schemas.openxmlformats.org/presentationml/2006/main" xmlns:r="http://schemas.openxmlformats.org/officeDocument/2006/relationships">
+  <p:cSld>
+    <p:spTree>
+      <p:nvGrpSpPr>
+        <p:cNvPr id="1" name=""/>
+        <p:cNvGrpSpPr/>
+        <p:nvPr/>
+      </p:nvGrpSpPr>
+      <p:grpSpPr/>
+      <p:sp>
+        <p:nvSpPr>
+          <p:cNvPr id="2" name="Title 1"/>
+          <p:cNvSpPr>
+            <a:spLocks noGrp="1"/>
+          </p:cNvSpPr>
+          <p:nvPr>
+            <p:ph type="title"/>
+          </p:nvPr>
+        </p:nvSpPr>
+        <p:spPr/>
+        <p:txBody>
+          <a:bodyPr/>
+          <a:lstStyle/>
+          <a:p>
+            <a:r>
+              <a:t>Content Gaps - Summary</a:t>
+            </a:r>
+          </a:p>
+        </p:txBody>
+      </p:sp>
+      <p:sp>
+        <p:nvSpPr>
+          <p:cNvPr id="3" name="TextBox 2"/>
+          <p:cNvSpPr txBox="1"/>
+          <p:nvPr/>
+        </p:nvSpPr>
+        <p:spPr>
+          <a:xfrm>
+            <a:off x="731520" y="1645920"/>
+            <a:ext cx="7680960" cy="4572000"/>
+          </a:xfrm>
+          <a:prstGeom prst="rect">
+            <a:avLst/>
+          </a:prstGeom>
+          <a:noFill/>
+        </p:spPr>
+        <p:txBody>
+          <a:bodyPr wrap="square">
+            <a:spAutoFit/>
+          </a:bodyPr>
+          <a:lstStyle/>
+          <a:p>
+            <a:pPr>
+              <a:defRPr sz="1400" b="1">
+                <a:solidFill>
+                  <a:srgbClr val="002060"/>
+                </a:solidFill>
+              </a:defRPr>
+            </a:pPr>
+            <a:r>
+              <a:t>SUMMARY &amp; ACTION PLAN</a:t>
+            </a:r>
+          </a:p>
+          <a:p>
+            <a:br/>
+            <a:pPr>
+              <a:defRPr sz="1200" b="1"/>
+            </a:pPr>
+            <a:r>
+              <a:t>📋 What is the Issue?</a:t>
+            </a:r>
+          </a:p>
+          <a:p>
+            <a:pPr lvl="1">
+              <a:defRPr sz="1100"/>
+            </a:pPr>
+            <a:r>
+              <a:t>• Meta optimization gaps across 261 pages suppress visibility</a:t>
+            </a:r>
+          </a:p>
+          <a:p>
+            <a:br/>
+            <a:pPr>
+              <a:defRPr sz="1200" b="1"/>
+            </a:pPr>
+            <a:r>
+              <a:t>💥 What is the Impact?</a:t>
+            </a:r>
+          </a:p>
+          <a:p>
+            <a:pPr lvl="1">
+              <a:defRPr sz="1100"/>
+            </a:pPr>
+            <a:r>
+              <a:t>• Pages compete against themselves, fragmenting authority and CTR</a:t>
+            </a:r>
+          </a:p>
+          <a:p>
+            <a:br/>
+            <a:pPr>
+              <a:defRPr sz="1200" b="1"/>
+            </a:pPr>
+            <a:r>
+              <a:t>🎯 Our Next Action</a:t>
+            </a:r>
+          </a:p>
+          <a:p>
+            <a:pPr lvl="1">
+              <a:defRPr sz="1100"/>
+            </a:pPr>
+            <a:r>
+              <a:t>• Deploy unique meta tags prioritizing revenue-generating pages first</a:t>
+            </a:r>
+          </a:p>
+        </p:txBody>
+      </p:sp>
+    </p:spTree>
+  </p:cSld>
+  <p:clrMapOvr>
+    <a:masterClrMapping/>
+  </p:clrMapOvr>
+</p:sld>
+</file>
+
+<file path=ppt/slides/slide17.xml><?xml version="1.0" encoding="utf-8"?>
+<p:sld xmlns:a="http://schemas.openxmlformats.org/drawingml/2006/main" xmlns:p="http://schemas.openxmlformats.org/presentationml/2006/main" xmlns:r="http://schemas.openxmlformats.org/officeDocument/2006/relationships">
+  <p:cSld>
+    <p:spTree>
+      <p:nvGrpSpPr>
+        <p:cNvPr id="1" name=""/>
+        <p:cNvGrpSpPr/>
+        <p:nvPr/>
+      </p:nvGrpSpPr>
+      <p:grpSpPr/>
+      <p:sp>
+        <p:nvSpPr>
           <p:cNvPr id="2" name="TextBox 1"/>
           <p:cNvSpPr txBox="1"/>
           <p:nvPr/>
@@ -3754,14 +4058,53 @@
           <a:lstStyle/>
           <a:p>
             <a:pPr algn="ctr">
-              <a:defRPr sz="4400" b="1">
+              <a:defRPr sz="3600" b="1">
                 <a:solidFill>
                   <a:srgbClr val="002060"/>
                 </a:solidFill>
               </a:defRPr>
             </a:pPr>
             <a:r>
-              <a:t>Thank You</a:t>
+              <a:t>Technical Gaps Limiting Growth</a:t>
+            </a:r>
+          </a:p>
+        </p:txBody>
+      </p:sp>
+    </p:spTree>
+  </p:cSld>
+  <p:clrMapOvr>
+    <a:masterClrMapping/>
+  </p:clrMapOvr>
+</p:sld>
+</file>
+
+<file path=ppt/slides/slide18.xml><?xml version="1.0" encoding="utf-8"?>
+<p:sld xmlns:a="http://schemas.openxmlformats.org/drawingml/2006/main" xmlns:p="http://schemas.openxmlformats.org/presentationml/2006/main" xmlns:r="http://schemas.openxmlformats.org/officeDocument/2006/relationships">
+  <p:cSld>
+    <p:spTree>
+      <p:nvGrpSpPr>
+        <p:cNvPr id="1" name=""/>
+        <p:cNvGrpSpPr/>
+        <p:nvPr/>
+      </p:nvGrpSpPr>
+      <p:grpSpPr/>
+      <p:sp>
+        <p:nvSpPr>
+          <p:cNvPr id="2" name="Title 1"/>
+          <p:cNvSpPr>
+            <a:spLocks noGrp="1"/>
+          </p:cNvSpPr>
+          <p:nvPr>
+            <p:ph type="title"/>
+          </p:nvPr>
+        </p:nvSpPr>
+        <p:spPr/>
+        <p:txBody>
+          <a:bodyPr/>
+          <a:lstStyle/>
+          <a:p>
+            <a:r>
+              <a:t>Technical Barriers to Growth</a:t>
             </a:r>
           </a:p>
         </p:txBody>
@@ -3774,8 +4117,8 @@
         </p:nvSpPr>
         <p:spPr>
           <a:xfrm>
-            <a:off x="1828800" y="4114800"/>
-            <a:ext cx="5486400" cy="914400"/>
+            <a:off x="731520" y="1645920"/>
+            <a:ext cx="7680960" cy="4572000"/>
           </a:xfrm>
           <a:prstGeom prst="rect">
             <a:avLst/>
@@ -3783,20 +4126,328 @@
           <a:noFill/>
         </p:spPr>
         <p:txBody>
-          <a:bodyPr wrap="none">
+          <a:bodyPr wrap="square">
             <a:spAutoFit/>
           </a:bodyPr>
           <a:lstStyle/>
           <a:p>
-            <a:pPr algn="ctr">
-              <a:defRPr sz="1400">
+            <a:pPr>
+              <a:defRPr sz="1200" b="1">
                 <a:solidFill>
                   <a:srgbClr val="646464"/>
                 </a:solidFill>
               </a:defRPr>
             </a:pPr>
             <a:r>
-              <a:t>Ready to transform your organic visibility into competitive advantage.</a:t>
+              <a:t>KEY INSIGHT</a:t>
+            </a:r>
+          </a:p>
+          <a:p>
+            <a:pPr>
+              <a:spcAft>
+                <a:spcPts val="2000"/>
+              </a:spcAft>
+              <a:defRPr sz="1500" b="1"/>
+            </a:pPr>
+            <a:r>
+              <a:t>**660 instances** are fragmenting site quality signals</a:t>
+            </a:r>
+          </a:p>
+          <a:p>
+            <a:pPr>
+              <a:defRPr sz="1200" b="1">
+                <a:solidFill>
+                  <a:srgbClr val="646464"/>
+                </a:solidFill>
+              </a:defRPr>
+            </a:pPr>
+            <a:r>
+              <a:t>CRITICAL TECHNICAL ISSUES</a:t>
+            </a:r>
+          </a:p>
+          <a:p>
+            <a:pPr lvl="1">
+              <a:defRPr sz="1200"/>
+            </a:pPr>
+            <a:r>
+              <a:t>• uncached JavaScript detected across site</a:t>
+            </a:r>
+          </a:p>
+          <a:p>
+            <a:pPr lvl="2">
+              <a:defRPr sz="1000">
+                <a:solidFill>
+                  <a:srgbClr val="505050"/>
+                </a:solidFill>
+              </a:defRPr>
+            </a:pPr>
+            <a:r>
+              <a:t>  → 660 instances | Action: Prioritize remediation based on page value and traffic potential</a:t>
+            </a:r>
+          </a:p>
+          <a:p>
+            <a:pPr lvl="1">
+              <a:defRPr sz="1200"/>
+            </a:pPr>
+            <a:r>
+              <a:t>• Content depth insufficient for topical authority</a:t>
+            </a:r>
+          </a:p>
+          <a:p>
+            <a:pPr lvl="2">
+              <a:defRPr sz="1000">
+                <a:solidFill>
+                  <a:srgbClr val="505050"/>
+                </a:solidFill>
+              </a:defRPr>
+            </a:pPr>
+            <a:r>
+              <a:t>  → 277 instances | Action: Expand content depth on high-opportunity pages to establish expertise</a:t>
+            </a:r>
+          </a:p>
+          <a:p>
+            <a:pPr lvl="1">
+              <a:defRPr sz="1200"/>
+            </a:pPr>
+            <a:r>
+              <a:t>• URL architecture unstable with temporary redirect chains</a:t>
+            </a:r>
+          </a:p>
+          <a:p>
+            <a:pPr lvl="2">
+              <a:defRPr sz="1000">
+                <a:solidFill>
+                  <a:srgbClr val="505050"/>
+                </a:solidFill>
+              </a:defRPr>
+            </a:pPr>
+            <a:r>
+              <a:t>  → 235 instances | Action: Convert temporary (302) to permanent (301) redirects immediately</a:t>
+            </a:r>
+          </a:p>
+          <a:p>
+            <a:pPr lvl="1">
+              <a:defRPr sz="1200"/>
+            </a:pPr>
+            <a:r>
+              <a:t>• Critical link architecture failures creating navigation blind spots</a:t>
+            </a:r>
+          </a:p>
+          <a:p>
+            <a:pPr lvl="2">
+              <a:defRPr sz="1000">
+                <a:solidFill>
+                  <a:srgbClr val="505050"/>
+                </a:solidFill>
+              </a:defRPr>
+            </a:pPr>
+            <a:r>
+              <a:t>  → 53 instances | Action: Implement systematic link audit and remediation protocol</a:t>
+            </a:r>
+          </a:p>
+          <a:p>
+            <a:pPr lvl="1">
+              <a:defRPr sz="1200"/>
+            </a:pPr>
+            <a:r>
+              <a:t>• International targeting signals conflicting across markets</a:t>
+            </a:r>
+          </a:p>
+          <a:p>
+            <a:pPr lvl="2">
+              <a:defRPr sz="1000">
+                <a:solidFill>
+                  <a:srgbClr val="505050"/>
+                </a:solidFill>
+              </a:defRPr>
+            </a:pPr>
+            <a:r>
+              <a:t>  → 17 instances | Action: Audit and correct hreflang implementation across all markets</a:t>
+            </a:r>
+          </a:p>
+          <a:p>
+            <a:pPr lvl="1">
+              <a:defRPr sz="1200"/>
+            </a:pPr>
+            <a:r>
+              <a:t>• Pages returning error states to search engines</a:t>
+            </a:r>
+          </a:p>
+          <a:p>
+            <a:pPr lvl="2">
+              <a:defRPr sz="1000">
+                <a:solidFill>
+                  <a:srgbClr val="505050"/>
+                </a:solidFill>
+              </a:defRPr>
+            </a:pPr>
+            <a:r>
+              <a:t>  → 7 instances | Action: Restore indexability for high-value pages within 48 hours</a:t>
+            </a:r>
+          </a:p>
+          <a:p>
+            <a:pPr lvl="1">
+              <a:defRPr sz="1200"/>
+            </a:pPr>
+            <a:r>
+              <a:t>• Pages returned 4XX detected across site</a:t>
+            </a:r>
+          </a:p>
+          <a:p>
+            <a:pPr lvl="2">
+              <a:defRPr sz="1000">
+                <a:solidFill>
+                  <a:srgbClr val="505050"/>
+                </a:solidFill>
+              </a:defRPr>
+            </a:pPr>
+            <a:r>
+              <a:t>  → 7 instances | Action: Prioritize remediation based on page value and traffic potential</a:t>
+            </a:r>
+          </a:p>
+          <a:p>
+            <a:pPr lvl="1">
+              <a:defRPr sz="1200"/>
+            </a:pPr>
+            <a:r>
+              <a:t>• Security certificate expired or expiring soon</a:t>
+            </a:r>
+          </a:p>
+          <a:p>
+            <a:pPr lvl="2">
+              <a:defRPr sz="1000">
+                <a:solidFill>
+                  <a:srgbClr val="505050"/>
+                </a:solidFill>
+              </a:defRPr>
+            </a:pPr>
+            <a:r>
+              <a:t>  → 0 instances | Action: Renew SSL certificate immediately and implement auto-renewal</a:t>
+            </a:r>
+          </a:p>
+        </p:txBody>
+      </p:sp>
+    </p:spTree>
+  </p:cSld>
+  <p:clrMapOvr>
+    <a:masterClrMapping/>
+  </p:clrMapOvr>
+</p:sld>
+</file>
+
+<file path=ppt/slides/slide19.xml><?xml version="1.0" encoding="utf-8"?>
+<p:sld xmlns:a="http://schemas.openxmlformats.org/drawingml/2006/main" xmlns:p="http://schemas.openxmlformats.org/presentationml/2006/main" xmlns:r="http://schemas.openxmlformats.org/officeDocument/2006/relationships">
+  <p:cSld>
+    <p:spTree>
+      <p:nvGrpSpPr>
+        <p:cNvPr id="1" name=""/>
+        <p:cNvGrpSpPr/>
+        <p:nvPr/>
+      </p:nvGrpSpPr>
+      <p:grpSpPr/>
+      <p:sp>
+        <p:nvSpPr>
+          <p:cNvPr id="2" name="Title 1"/>
+          <p:cNvSpPr>
+            <a:spLocks noGrp="1"/>
+          </p:cNvSpPr>
+          <p:nvPr>
+            <p:ph type="title"/>
+          </p:nvPr>
+        </p:nvSpPr>
+        <p:spPr/>
+        <p:txBody>
+          <a:bodyPr/>
+          <a:lstStyle/>
+          <a:p>
+            <a:r>
+              <a:t>Technical Gaps - Summary</a:t>
+            </a:r>
+          </a:p>
+        </p:txBody>
+      </p:sp>
+      <p:sp>
+        <p:nvSpPr>
+          <p:cNvPr id="3" name="TextBox 2"/>
+          <p:cNvSpPr txBox="1"/>
+          <p:nvPr/>
+        </p:nvSpPr>
+        <p:spPr>
+          <a:xfrm>
+            <a:off x="731520" y="1645920"/>
+            <a:ext cx="7680960" cy="4572000"/>
+          </a:xfrm>
+          <a:prstGeom prst="rect">
+            <a:avLst/>
+          </a:prstGeom>
+          <a:noFill/>
+        </p:spPr>
+        <p:txBody>
+          <a:bodyPr wrap="square">
+            <a:spAutoFit/>
+          </a:bodyPr>
+          <a:lstStyle/>
+          <a:p>
+            <a:pPr>
+              <a:defRPr sz="1400" b="1">
+                <a:solidFill>
+                  <a:srgbClr val="002060"/>
+                </a:solidFill>
+              </a:defRPr>
+            </a:pPr>
+            <a:r>
+              <a:t>SUMMARY &amp; ACTION PLAN</a:t>
+            </a:r>
+          </a:p>
+          <a:p>
+            <a:br/>
+            <a:pPr>
+              <a:defRPr sz="1200" b="1"/>
+            </a:pPr>
+            <a:r>
+              <a:t>📋 What is the Issue?</a:t>
+            </a:r>
+          </a:p>
+          <a:p>
+            <a:pPr lvl="1">
+              <a:defRPr sz="1100"/>
+            </a:pPr>
+            <a:r>
+              <a:t>• 8 technical barriers block crawler access and indexation</a:t>
+            </a:r>
+          </a:p>
+          <a:p>
+            <a:br/>
+            <a:pPr>
+              <a:defRPr sz="1200" b="1"/>
+            </a:pPr>
+            <a:r>
+              <a:t>💥 What is the Impact?</a:t>
+            </a:r>
+          </a:p>
+          <a:p>
+            <a:pPr lvl="1">
+              <a:defRPr sz="1100"/>
+            </a:pPr>
+            <a:r>
+              <a:t>• Content investments invisible to search engines, zero ROI on development</a:t>
+            </a:r>
+          </a:p>
+          <a:p>
+            <a:br/>
+            <a:pPr>
+              <a:defRPr sz="1200" b="1"/>
+            </a:pPr>
+            <a:r>
+              <a:t>🎯 Our Next Action</a:t>
+            </a:r>
+          </a:p>
+          <a:p>
+            <a:pPr lvl="1">
+              <a:defRPr sz="1100"/>
+            </a:pPr>
+            <a:r>
+              <a:t>• Address critical crawlability and indexability issues within 48 hours</a:t>
             </a:r>
           </a:p>
         </p:txBody>
@@ -3894,6 +4545,823 @@
 </p:sld>
 </file>
 
+<file path=ppt/slides/slide20.xml><?xml version="1.0" encoding="utf-8"?>
+<p:sld xmlns:a="http://schemas.openxmlformats.org/drawingml/2006/main" xmlns:p="http://schemas.openxmlformats.org/presentationml/2006/main" xmlns:r="http://schemas.openxmlformats.org/officeDocument/2006/relationships">
+  <p:cSld>
+    <p:spTree>
+      <p:nvGrpSpPr>
+        <p:cNvPr id="1" name=""/>
+        <p:cNvGrpSpPr/>
+        <p:nvPr/>
+      </p:nvGrpSpPr>
+      <p:grpSpPr/>
+      <p:sp>
+        <p:nvSpPr>
+          <p:cNvPr id="2" name="TextBox 1"/>
+          <p:cNvSpPr txBox="1"/>
+          <p:nvPr/>
+        </p:nvSpPr>
+        <p:spPr>
+          <a:xfrm>
+            <a:off x="1828800" y="2743200"/>
+            <a:ext cx="5486400" cy="1371600"/>
+          </a:xfrm>
+          <a:prstGeom prst="rect">
+            <a:avLst/>
+          </a:prstGeom>
+          <a:noFill/>
+        </p:spPr>
+        <p:txBody>
+          <a:bodyPr wrap="square">
+            <a:spAutoFit/>
+          </a:bodyPr>
+          <a:lstStyle/>
+          <a:p>
+            <a:pPr algn="ctr">
+              <a:defRPr sz="3600" b="1">
+                <a:solidFill>
+                  <a:srgbClr val="002060"/>
+                </a:solidFill>
+              </a:defRPr>
+            </a:pPr>
+            <a:r>
+              <a:t>Understanding Domain Authority</a:t>
+            </a:r>
+          </a:p>
+        </p:txBody>
+      </p:sp>
+    </p:spTree>
+  </p:cSld>
+  <p:clrMapOvr>
+    <a:masterClrMapping/>
+  </p:clrMapOvr>
+</p:sld>
+</file>
+
+<file path=ppt/slides/slide21.xml><?xml version="1.0" encoding="utf-8"?>
+<p:sld xmlns:a="http://schemas.openxmlformats.org/drawingml/2006/main" xmlns:p="http://schemas.openxmlformats.org/presentationml/2006/main" xmlns:r="http://schemas.openxmlformats.org/officeDocument/2006/relationships">
+  <p:cSld>
+    <p:spTree>
+      <p:nvGrpSpPr>
+        <p:cNvPr id="1" name=""/>
+        <p:cNvGrpSpPr/>
+        <p:nvPr/>
+      </p:nvGrpSpPr>
+      <p:grpSpPr/>
+      <p:sp>
+        <p:nvSpPr>
+          <p:cNvPr id="2" name="Title 1"/>
+          <p:cNvSpPr>
+            <a:spLocks noGrp="1"/>
+          </p:cNvSpPr>
+          <p:nvPr>
+            <p:ph type="title"/>
+          </p:nvPr>
+        </p:nvSpPr>
+        <p:spPr/>
+        <p:txBody>
+          <a:bodyPr/>
+          <a:lstStyle/>
+          <a:p>
+            <a:r>
+              <a:t>Domain Authority Assessment</a:t>
+            </a:r>
+          </a:p>
+        </p:txBody>
+      </p:sp>
+      <p:sp>
+        <p:nvSpPr>
+          <p:cNvPr id="3" name="TextBox 2"/>
+          <p:cNvSpPr txBox="1"/>
+          <p:nvPr/>
+        </p:nvSpPr>
+        <p:spPr>
+          <a:xfrm>
+            <a:off x="914400" y="1645920"/>
+            <a:ext cx="7315200" cy="4114800"/>
+          </a:xfrm>
+          <a:prstGeom prst="rect">
+            <a:avLst/>
+          </a:prstGeom>
+          <a:noFill/>
+        </p:spPr>
+        <p:txBody>
+          <a:bodyPr wrap="square">
+            <a:spAutoFit/>
+          </a:bodyPr>
+          <a:lstStyle/>
+          <a:p>
+            <a:pPr>
+              <a:defRPr sz="1200" b="1">
+                <a:solidFill>
+                  <a:srgbClr val="646464"/>
+                </a:solidFill>
+              </a:defRPr>
+            </a:pPr>
+            <a:r>
+              <a:t>KEY INSIGHT</a:t>
+            </a:r>
+          </a:p>
+          <a:p>
+            <a:pPr>
+              <a:spcAft>
+                <a:spcPts val="1500"/>
+              </a:spcAft>
+              <a:defRPr sz="1400" b="1"/>
+            </a:pPr>
+            <a:r>
+              <a:t>Domain authority determines ranking ceiling. Low authority = can't compete for valuable keywords, even with perfect content.</a:t>
+            </a:r>
+          </a:p>
+          <a:p>
+            <a:pPr>
+              <a:defRPr sz="1200" b="1">
+                <a:solidFill>
+                  <a:srgbClr val="646464"/>
+                </a:solidFill>
+              </a:defRPr>
+            </a:pPr>
+            <a:r>
+              <a:t>🔗 AUTHORITY METRICS (Ahrefs)</a:t>
+            </a:r>
+          </a:p>
+          <a:p>
+            <a:pPr lvl="1">
+              <a:defRPr sz="1100"/>
+            </a:pPr>
+            <a:r>
+              <a:t>• Domain Rating (DR): 0-100 authority score</a:t>
+            </a:r>
+          </a:p>
+          <a:p>
+            <a:pPr lvl="1">
+              <a:defRPr sz="1100"/>
+            </a:pPr>
+            <a:r>
+              <a:t>• Referring Domains: Unique sites linking to you</a:t>
+            </a:r>
+          </a:p>
+          <a:p>
+            <a:pPr lvl="1">
+              <a:defRPr sz="1100"/>
+            </a:pPr>
+            <a:r>
+              <a:t>• DR Trend: Growing/stable/declining over 6 months</a:t>
+            </a:r>
+          </a:p>
+          <a:p>
+            <a:pPr lvl="1">
+              <a:defRPr sz="1100"/>
+            </a:pPr>
+            <a:r>
+              <a:t>• Competitor Gap: How far behind/ahead of competition</a:t>
+            </a:r>
+          </a:p>
+          <a:p>
+            <a:pPr>
+              <a:spcAft>
+                <a:spcPts val="1000"/>
+              </a:spcAft>
+            </a:pPr>
+          </a:p>
+          <a:p>
+            <a:pPr>
+              <a:defRPr sz="1100">
+                <a:solidFill>
+                  <a:srgbClr val="C83232"/>
+                </a:solidFill>
+              </a:defRPr>
+            </a:pPr>
+            <a:r>
+              <a:t>⚠️ DR &lt;40 = Can only compete for low-difficulty keywords</a:t>
+            </a:r>
+          </a:p>
+        </p:txBody>
+      </p:sp>
+    </p:spTree>
+  </p:cSld>
+  <p:clrMapOvr>
+    <a:masterClrMapping/>
+  </p:clrMapOvr>
+</p:sld>
+</file>
+
+<file path=ppt/slides/slide22.xml><?xml version="1.0" encoding="utf-8"?>
+<p:sld xmlns:a="http://schemas.openxmlformats.org/drawingml/2006/main" xmlns:p="http://schemas.openxmlformats.org/presentationml/2006/main" xmlns:r="http://schemas.openxmlformats.org/officeDocument/2006/relationships">
+  <p:cSld>
+    <p:spTree>
+      <p:nvGrpSpPr>
+        <p:cNvPr id="1" name=""/>
+        <p:cNvGrpSpPr/>
+        <p:nvPr/>
+      </p:nvGrpSpPr>
+      <p:grpSpPr/>
+      <p:sp>
+        <p:nvSpPr>
+          <p:cNvPr id="2" name="Title 1"/>
+          <p:cNvSpPr>
+            <a:spLocks noGrp="1"/>
+          </p:cNvSpPr>
+          <p:nvPr>
+            <p:ph type="title"/>
+          </p:nvPr>
+        </p:nvSpPr>
+        <p:spPr/>
+        <p:txBody>
+          <a:bodyPr/>
+          <a:lstStyle/>
+          <a:p>
+            <a:r>
+              <a:t>Domain Authority - Summary</a:t>
+            </a:r>
+          </a:p>
+        </p:txBody>
+      </p:sp>
+      <p:sp>
+        <p:nvSpPr>
+          <p:cNvPr id="3" name="TextBox 2"/>
+          <p:cNvSpPr txBox="1"/>
+          <p:nvPr/>
+        </p:nvSpPr>
+        <p:spPr>
+          <a:xfrm>
+            <a:off x="731520" y="1645920"/>
+            <a:ext cx="7680960" cy="4572000"/>
+          </a:xfrm>
+          <a:prstGeom prst="rect">
+            <a:avLst/>
+          </a:prstGeom>
+          <a:noFill/>
+        </p:spPr>
+        <p:txBody>
+          <a:bodyPr wrap="square">
+            <a:spAutoFit/>
+          </a:bodyPr>
+          <a:lstStyle/>
+          <a:p>
+            <a:pPr>
+              <a:defRPr sz="1400" b="1">
+                <a:solidFill>
+                  <a:srgbClr val="002060"/>
+                </a:solidFill>
+              </a:defRPr>
+            </a:pPr>
+            <a:r>
+              <a:t>SUMMARY &amp; ACTION PLAN</a:t>
+            </a:r>
+          </a:p>
+          <a:p>
+            <a:br/>
+            <a:pPr>
+              <a:defRPr sz="1200" b="1"/>
+            </a:pPr>
+            <a:r>
+              <a:t>📋 What is the Issue?</a:t>
+            </a:r>
+          </a:p>
+          <a:p>
+            <a:pPr lvl="1">
+              <a:defRPr sz="1100"/>
+            </a:pPr>
+            <a:r>
+              <a:t>• Domain authority gap limits competitive positioning on high-value terms</a:t>
+            </a:r>
+          </a:p>
+          <a:p>
+            <a:br/>
+            <a:pPr>
+              <a:defRPr sz="1200" b="1"/>
+            </a:pPr>
+            <a:r>
+              <a:t>💥 What is the Impact?</a:t>
+            </a:r>
+          </a:p>
+          <a:p>
+            <a:pPr lvl="1">
+              <a:defRPr sz="1100"/>
+            </a:pPr>
+            <a:r>
+              <a:t>• Even optimized content won't rank without authority foundation</a:t>
+            </a:r>
+          </a:p>
+          <a:p>
+            <a:br/>
+            <a:pPr>
+              <a:defRPr sz="1200" b="1"/>
+            </a:pPr>
+            <a:r>
+              <a:t>🎯 Our Next Action</a:t>
+            </a:r>
+          </a:p>
+          <a:p>
+            <a:pPr lvl="1">
+              <a:defRPr sz="1100"/>
+            </a:pPr>
+            <a:r>
+              <a:t>• Launch strategic link acquisition targeting high-DR industry publications</a:t>
+            </a:r>
+          </a:p>
+        </p:txBody>
+      </p:sp>
+    </p:spTree>
+  </p:cSld>
+  <p:clrMapOvr>
+    <a:masterClrMapping/>
+  </p:clrMapOvr>
+</p:sld>
+</file>
+
+<file path=ppt/slides/slide23.xml><?xml version="1.0" encoding="utf-8"?>
+<p:sld xmlns:a="http://schemas.openxmlformats.org/drawingml/2006/main" xmlns:p="http://schemas.openxmlformats.org/presentationml/2006/main" xmlns:r="http://schemas.openxmlformats.org/officeDocument/2006/relationships">
+  <p:cSld>
+    <p:spTree>
+      <p:nvGrpSpPr>
+        <p:cNvPr id="1" name=""/>
+        <p:cNvGrpSpPr/>
+        <p:nvPr/>
+      </p:nvGrpSpPr>
+      <p:grpSpPr/>
+      <p:sp>
+        <p:nvSpPr>
+          <p:cNvPr id="2" name="TextBox 1"/>
+          <p:cNvSpPr txBox="1"/>
+          <p:nvPr/>
+        </p:nvSpPr>
+        <p:spPr>
+          <a:xfrm>
+            <a:off x="1828800" y="2743200"/>
+            <a:ext cx="5486400" cy="1371600"/>
+          </a:xfrm>
+          <a:prstGeom prst="rect">
+            <a:avLst/>
+          </a:prstGeom>
+          <a:noFill/>
+        </p:spPr>
+        <p:txBody>
+          <a:bodyPr wrap="square">
+            <a:spAutoFit/>
+          </a:bodyPr>
+          <a:lstStyle/>
+          <a:p>
+            <a:pPr algn="ctr">
+              <a:defRPr sz="3600" b="1">
+                <a:solidFill>
+                  <a:srgbClr val="002060"/>
+                </a:solidFill>
+              </a:defRPr>
+            </a:pPr>
+            <a:r>
+              <a:t>Steps to Improve Your SEO</a:t>
+            </a:r>
+          </a:p>
+        </p:txBody>
+      </p:sp>
+    </p:spTree>
+  </p:cSld>
+  <p:clrMapOvr>
+    <a:masterClrMapping/>
+  </p:clrMapOvr>
+</p:sld>
+</file>
+
+<file path=ppt/slides/slide24.xml><?xml version="1.0" encoding="utf-8"?>
+<p:sld xmlns:a="http://schemas.openxmlformats.org/drawingml/2006/main" xmlns:p="http://schemas.openxmlformats.org/presentationml/2006/main" xmlns:r="http://schemas.openxmlformats.org/officeDocument/2006/relationships">
+  <p:cSld>
+    <p:spTree>
+      <p:nvGrpSpPr>
+        <p:cNvPr id="1" name=""/>
+        <p:cNvGrpSpPr/>
+        <p:nvPr/>
+      </p:nvGrpSpPr>
+      <p:grpSpPr/>
+      <p:sp>
+        <p:nvSpPr>
+          <p:cNvPr id="2" name="Title 1"/>
+          <p:cNvSpPr>
+            <a:spLocks noGrp="1"/>
+          </p:cNvSpPr>
+          <p:nvPr>
+            <p:ph type="title"/>
+          </p:nvPr>
+        </p:nvSpPr>
+        <p:spPr/>
+        <p:txBody>
+          <a:bodyPr/>
+          <a:lstStyle/>
+          <a:p>
+            <a:r>
+              <a:t>Strategic Action Plan</a:t>
+            </a:r>
+          </a:p>
+        </p:txBody>
+      </p:sp>
+      <p:sp>
+        <p:nvSpPr>
+          <p:cNvPr id="3" name="TextBox 2"/>
+          <p:cNvSpPr txBox="1"/>
+          <p:nvPr/>
+        </p:nvSpPr>
+        <p:spPr>
+          <a:xfrm>
+            <a:off x="914400" y="1645920"/>
+            <a:ext cx="7315200" cy="4572000"/>
+          </a:xfrm>
+          <a:prstGeom prst="rect">
+            <a:avLst/>
+          </a:prstGeom>
+          <a:noFill/>
+        </p:spPr>
+        <p:txBody>
+          <a:bodyPr wrap="square">
+            <a:spAutoFit/>
+          </a:bodyPr>
+          <a:lstStyle/>
+          <a:p>
+            <a:pPr>
+              <a:defRPr sz="1200" b="1">
+                <a:solidFill>
+                  <a:srgbClr val="646464"/>
+                </a:solidFill>
+              </a:defRPr>
+            </a:pPr>
+            <a:r>
+              <a:t>NEXT ACTION KEY MESSAGE</a:t>
+            </a:r>
+          </a:p>
+          <a:p>
+            <a:pPr>
+              <a:spcAft>
+                <a:spcPts val="2000"/>
+              </a:spcAft>
+              <a:defRPr sz="1600" b="1"/>
+            </a:pPr>
+            <a:r>
+              <a:t>Leverage strong technical foundation to focus on content depth and authority building initiatives.</a:t>
+            </a:r>
+          </a:p>
+          <a:p>
+            <a:pPr>
+              <a:defRPr sz="1300" b="1">
+                <a:solidFill>
+                  <a:srgbClr val="9C27B0"/>
+                </a:solidFill>
+              </a:defRPr>
+            </a:pPr>
+            <a:r>
+              <a:t>TECHNICAL SEO</a:t>
+            </a:r>
+          </a:p>
+          <a:p>
+            <a:pPr lvl="1">
+              <a:defRPr sz="1100"/>
+            </a:pPr>
+            <a:r>
+              <a:t>• Issue: uncached JavaScript detected across site</a:t>
+            </a:r>
+          </a:p>
+          <a:p>
+            <a:pPr lvl="1">
+              <a:defRPr sz="1100"/>
+            </a:pPr>
+            <a:r>
+              <a:t>• Action: Prioritize remediation based on page value and traffic potential</a:t>
+            </a:r>
+          </a:p>
+          <a:p>
+            <a:pPr>
+              <a:spcAft>
+                <a:spcPts val="1000"/>
+              </a:spcAft>
+            </a:pPr>
+          </a:p>
+          <a:p>
+            <a:pPr>
+              <a:defRPr sz="1300" b="1">
+                <a:solidFill>
+                  <a:srgbClr val="9C27B0"/>
+                </a:solidFill>
+              </a:defRPr>
+            </a:pPr>
+            <a:r>
+              <a:t>CONTENT SEO</a:t>
+            </a:r>
+          </a:p>
+          <a:p>
+            <a:pPr lvl="1">
+              <a:defRPr sz="1100"/>
+            </a:pPr>
+            <a:r>
+              <a:t>• Issue: Duplicate H1 affecting 257 pages</a:t>
+            </a:r>
+          </a:p>
+          <a:p>
+            <a:pPr lvl="1">
+              <a:defRPr sz="1100"/>
+            </a:pPr>
+            <a:r>
+              <a:t>• Action: Deploy unique meta descriptions prioritizing high-value pages</a:t>
+            </a:r>
+          </a:p>
+          <a:p>
+            <a:pPr>
+              <a:spcAft>
+                <a:spcPts val="1000"/>
+              </a:spcAft>
+            </a:pPr>
+          </a:p>
+          <a:p>
+            <a:pPr>
+              <a:defRPr sz="1300" b="1">
+                <a:solidFill>
+                  <a:srgbClr val="9C27B0"/>
+                </a:solidFill>
+              </a:defRPr>
+            </a:pPr>
+            <a:r>
+              <a:t>DOMAIN AUTHORITY</a:t>
+            </a:r>
+          </a:p>
+          <a:p>
+            <a:pPr lvl="1">
+              <a:defRPr sz="1100"/>
+            </a:pPr>
+            <a:r>
+              <a:t>• Focus: Build topical authority through strategic content and link acquisition</a:t>
+            </a:r>
+          </a:p>
+        </p:txBody>
+      </p:sp>
+    </p:spTree>
+  </p:cSld>
+  <p:clrMapOvr>
+    <a:masterClrMapping/>
+  </p:clrMapOvr>
+</p:sld>
+</file>
+
+<file path=ppt/slides/slide25.xml><?xml version="1.0" encoding="utf-8"?>
+<p:sld xmlns:a="http://schemas.openxmlformats.org/drawingml/2006/main" xmlns:p="http://schemas.openxmlformats.org/presentationml/2006/main" xmlns:r="http://schemas.openxmlformats.org/officeDocument/2006/relationships">
+  <p:cSld>
+    <p:spTree>
+      <p:nvGrpSpPr>
+        <p:cNvPr id="1" name=""/>
+        <p:cNvGrpSpPr/>
+        <p:nvPr/>
+      </p:nvGrpSpPr>
+      <p:grpSpPr/>
+      <p:sp>
+        <p:nvSpPr>
+          <p:cNvPr id="2" name="Title 1"/>
+          <p:cNvSpPr>
+            <a:spLocks noGrp="1"/>
+          </p:cNvSpPr>
+          <p:nvPr>
+            <p:ph type="title"/>
+          </p:nvPr>
+        </p:nvSpPr>
+        <p:spPr/>
+        <p:txBody>
+          <a:bodyPr/>
+          <a:lstStyle/>
+          <a:p>
+            <a:r>
+              <a:t>KPI Targets &amp; Benchmarks</a:t>
+            </a:r>
+          </a:p>
+        </p:txBody>
+      </p:sp>
+      <p:sp>
+        <p:nvSpPr>
+          <p:cNvPr id="3" name="TextBox 2"/>
+          <p:cNvSpPr txBox="1"/>
+          <p:nvPr/>
+        </p:nvSpPr>
+        <p:spPr>
+          <a:xfrm>
+            <a:off x="914400" y="1645920"/>
+            <a:ext cx="7315200" cy="4114800"/>
+          </a:xfrm>
+          <a:prstGeom prst="rect">
+            <a:avLst/>
+          </a:prstGeom>
+          <a:noFill/>
+        </p:spPr>
+        <p:txBody>
+          <a:bodyPr wrap="square">
+            <a:spAutoFit/>
+          </a:bodyPr>
+          <a:lstStyle/>
+          <a:p>
+            <a:pPr>
+              <a:defRPr sz="1400" b="1">
+                <a:solidFill>
+                  <a:srgbClr val="002060"/>
+                </a:solidFill>
+              </a:defRPr>
+            </a:pPr>
+            <a:r>
+              <a:t>SUCCESS METRICS</a:t>
+            </a:r>
+          </a:p>
+          <a:p>
+            <a:pPr>
+              <a:spcAft>
+                <a:spcPts val="1000"/>
+              </a:spcAft>
+            </a:pPr>
+          </a:p>
+          <a:p>
+            <a:pPr>
+              <a:defRPr sz="1200" b="1"/>
+            </a:pPr>
+            <a:r>
+              <a:t>📊 ORGANIC TRAFFIC CTR</a:t>
+            </a:r>
+          </a:p>
+          <a:p>
+            <a:pPr lvl="1">
+              <a:defRPr sz="1100"/>
+            </a:pPr>
+            <a:r>
+              <a:t>• Current: Requires GSC data export</a:t>
+            </a:r>
+          </a:p>
+          <a:p>
+            <a:pPr lvl="1">
+              <a:defRPr sz="1100"/>
+            </a:pPr>
+            <a:r>
+              <a:t>• Target: +1% improvement</a:t>
+            </a:r>
+          </a:p>
+          <a:p>
+            <a:pPr lvl="1">
+              <a:defRPr sz="1100"/>
+            </a:pPr>
+            <a:r>
+              <a:t>• Industry Benchmark: 3-5% average</a:t>
+            </a:r>
+          </a:p>
+          <a:p>
+            <a:pPr>
+              <a:spcAft>
+                <a:spcPts val="1000"/>
+              </a:spcAft>
+            </a:pPr>
+          </a:p>
+          <a:p>
+            <a:pPr>
+              <a:defRPr sz="1200" b="1"/>
+            </a:pPr>
+            <a:r>
+              <a:t>📈 RANKING POSITION</a:t>
+            </a:r>
+          </a:p>
+          <a:p>
+            <a:pPr lvl="1">
+              <a:defRPr sz="1100"/>
+            </a:pPr>
+            <a:r>
+              <a:t>• Current: Requires SEMrush keyword position data</a:t>
+            </a:r>
+          </a:p>
+          <a:p>
+            <a:pPr lvl="1">
+              <a:defRPr sz="1100"/>
+            </a:pPr>
+            <a:r>
+              <a:t>• Target: 10-50% improvement on target keywords</a:t>
+            </a:r>
+          </a:p>
+          <a:p>
+            <a:pPr>
+              <a:spcAft>
+                <a:spcPts val="1000"/>
+              </a:spcAft>
+            </a:pPr>
+          </a:p>
+          <a:p>
+            <a:pPr>
+              <a:defRPr sz="1200" b="1"/>
+            </a:pPr>
+            <a:r>
+              <a:t>🎯 ORGANIC SESSIONS</a:t>
+            </a:r>
+          </a:p>
+          <a:p>
+            <a:pPr lvl="1">
+              <a:defRPr sz="1100"/>
+            </a:pPr>
+            <a:r>
+              <a:t>• Current: Requires GA4 organic session count</a:t>
+            </a:r>
+          </a:p>
+          <a:p>
+            <a:pPr lvl="1">
+              <a:defRPr sz="1100"/>
+            </a:pPr>
+            <a:r>
+              <a:t>• Target: +15% growth within 6 months</a:t>
+            </a:r>
+          </a:p>
+        </p:txBody>
+      </p:sp>
+    </p:spTree>
+  </p:cSld>
+  <p:clrMapOvr>
+    <a:masterClrMapping/>
+  </p:clrMapOvr>
+</p:sld>
+</file>
+
+<file path=ppt/slides/slide26.xml><?xml version="1.0" encoding="utf-8"?>
+<p:sld xmlns:a="http://schemas.openxmlformats.org/drawingml/2006/main" xmlns:p="http://schemas.openxmlformats.org/presentationml/2006/main" xmlns:r="http://schemas.openxmlformats.org/officeDocument/2006/relationships">
+  <p:cSld>
+    <p:spTree>
+      <p:nvGrpSpPr>
+        <p:cNvPr id="1" name=""/>
+        <p:cNvGrpSpPr/>
+        <p:nvPr/>
+      </p:nvGrpSpPr>
+      <p:grpSpPr/>
+      <p:sp>
+        <p:nvSpPr>
+          <p:cNvPr id="2" name="TextBox 1"/>
+          <p:cNvSpPr txBox="1"/>
+          <p:nvPr/>
+        </p:nvSpPr>
+        <p:spPr>
+          <a:xfrm>
+            <a:off x="1828800" y="2743200"/>
+            <a:ext cx="5486400" cy="1371600"/>
+          </a:xfrm>
+          <a:prstGeom prst="rect">
+            <a:avLst/>
+          </a:prstGeom>
+          <a:noFill/>
+        </p:spPr>
+        <p:txBody>
+          <a:bodyPr wrap="square">
+            <a:spAutoFit/>
+          </a:bodyPr>
+          <a:lstStyle/>
+          <a:p>
+            <a:pPr algn="ctr">
+              <a:defRPr sz="4400" b="1">
+                <a:solidFill>
+                  <a:srgbClr val="002060"/>
+                </a:solidFill>
+              </a:defRPr>
+            </a:pPr>
+            <a:r>
+              <a:t>Thank You</a:t>
+            </a:r>
+          </a:p>
+        </p:txBody>
+      </p:sp>
+      <p:sp>
+        <p:nvSpPr>
+          <p:cNvPr id="3" name="TextBox 2"/>
+          <p:cNvSpPr txBox="1"/>
+          <p:nvPr/>
+        </p:nvSpPr>
+        <p:spPr>
+          <a:xfrm>
+            <a:off x="1828800" y="4114800"/>
+            <a:ext cx="5486400" cy="914400"/>
+          </a:xfrm>
+          <a:prstGeom prst="rect">
+            <a:avLst/>
+          </a:prstGeom>
+          <a:noFill/>
+        </p:spPr>
+        <p:txBody>
+          <a:bodyPr wrap="none">
+            <a:spAutoFit/>
+          </a:bodyPr>
+          <a:lstStyle/>
+          <a:p>
+            <a:pPr algn="ctr">
+              <a:defRPr sz="1400">
+                <a:solidFill>
+                  <a:srgbClr val="646464"/>
+                </a:solidFill>
+              </a:defRPr>
+            </a:pPr>
+            <a:r>
+              <a:t>Ready to transform your organic visibility into competitive advantage.</a:t>
+            </a:r>
+          </a:p>
+        </p:txBody>
+      </p:sp>
+    </p:spTree>
+  </p:cSld>
+  <p:clrMapOvr>
+    <a:masterClrMapping/>
+  </p:clrMapOvr>
+</p:sld>
+</file>
+
 <file path=ppt/slides/slide3.xml><?xml version="1.0" encoding="utf-8"?>
 <p:sld xmlns:a="http://schemas.openxmlformats.org/drawingml/2006/main" xmlns:p="http://schemas.openxmlformats.org/presentationml/2006/main" xmlns:r="http://schemas.openxmlformats.org/officeDocument/2006/relationships">
   <p:cSld>
@@ -4205,7 +5673,7 @@
               </a:defRPr>
             </a:pPr>
             <a:r>
-              <a:t>Where Your Brand Stands Today?</a:t>
+              <a:t>Where Client Stands Today?</a:t>
             </a:r>
           </a:p>
         </p:txBody>
@@ -4244,7 +5712,7 @@
           <a:lstStyle/>
           <a:p>
             <a:r>
-              <a:t>Site Health Assessment</a:t>
+              <a:t>Organic Traffic Analysis</a:t>
             </a:r>
           </a:p>
         </p:txBody>
@@ -4258,7 +5726,7 @@
         <p:spPr>
           <a:xfrm>
             <a:off x="914400" y="1645920"/>
-            <a:ext cx="7315200" cy="4572000"/>
+            <a:ext cx="7315200" cy="4114800"/>
           </a:xfrm>
           <a:prstGeom prst="rect">
             <a:avLst/>
@@ -4285,59 +5753,44 @@
           <a:p>
             <a:pPr>
               <a:spcAft>
-                <a:spcPts val="2000"/>
-              </a:spcAft>
-              <a:defRPr sz="1600" b="1"/>
-            </a:pPr>
-            <a:r>
-              <a:t>Technical foundation is solid at 75% health score, allowing strategic focus on content and authority optimization.</a:t>
-            </a:r>
-          </a:p>
-          <a:p>
-            <a:pPr>
-              <a:defRPr sz="1400"/>
-            </a:pPr>
-            <a:r>
-              <a:t>Health Score: 75%</a:t>
-            </a:r>
-          </a:p>
-          <a:p>
-            <a:pPr>
-              <a:defRPr sz="1400"/>
-            </a:pPr>
-            <a:r>
-              <a:t>Pages Crawled: 10,000</a:t>
-            </a:r>
-          </a:p>
-          <a:p>
-            <a:pPr>
-              <a:spcAft>
-                <a:spcPts val="2000"/>
+                <a:spcPts val="1500"/>
               </a:spcAft>
               <a:defRPr sz="1400"/>
             </a:pPr>
             <a:r>
-              <a:t>Total Issues: 11</a:t>
-            </a:r>
-          </a:p>
-          <a:p>
-            <a:pPr>
-              <a:defRPr sz="1200" b="1">
-                <a:solidFill>
-                  <a:srgbClr val="646464"/>
-                </a:solidFill>
-              </a:defRPr>
-            </a:pPr>
-            <a:r>
-              <a:t>BUSINESS IMPACT</a:t>
-            </a:r>
-          </a:p>
-          <a:p>
-            <a:pPr>
-              <a:defRPr sz="1400"/>
-            </a:pPr>
-            <a:r>
-              <a:t>Strong technical foundation enables content and authority initiatives. Focus optimization efforts on high-value pages to maximize ROI.</a:t>
+              <a:t>Organic traffic performance requires GA4 and SEMrush data for complete analysis. Current implementation focuses on technical foundation assessment.</a:t>
+            </a:r>
+          </a:p>
+          <a:p>
+            <a:pPr>
+              <a:defRPr sz="1300" b="1"/>
+            </a:pPr>
+            <a:r>
+              <a:t>📊 Recommended Data Sources:</a:t>
+            </a:r>
+          </a:p>
+          <a:p>
+            <a:pPr lvl="1">
+              <a:defRPr sz="1200"/>
+            </a:pPr>
+            <a:r>
+              <a:t>• GA4: Channel distribution (Organic vs. Direct vs. Paid)</a:t>
+            </a:r>
+          </a:p>
+          <a:p>
+            <a:pPr lvl="1">
+              <a:defRPr sz="1200"/>
+            </a:pPr>
+            <a:r>
+              <a:t>• GA4: Geographic sessions by country</a:t>
+            </a:r>
+          </a:p>
+          <a:p>
+            <a:pPr lvl="1">
+              <a:defRPr sz="1200"/>
+            </a:pPr>
+            <a:r>
+              <a:t>• SEMrush: Keyword position distribution (1-3, 4-10, 11-20, 21+)</a:t>
             </a:r>
           </a:p>
         </p:txBody>
@@ -4362,14 +5815,35 @@
       <p:grpSpPr/>
       <p:sp>
         <p:nvSpPr>
-          <p:cNvPr id="2" name="TextBox 1"/>
+          <p:cNvPr id="2" name="Title 1"/>
+          <p:cNvSpPr>
+            <a:spLocks noGrp="1"/>
+          </p:cNvSpPr>
+          <p:nvPr>
+            <p:ph type="title"/>
+          </p:nvPr>
+        </p:nvSpPr>
+        <p:spPr/>
+        <p:txBody>
+          <a:bodyPr/>
+          <a:lstStyle/>
+          <a:p>
+            <a:r>
+              <a:t>Competitive Benchmarking</a:t>
+            </a:r>
+          </a:p>
+        </p:txBody>
+      </p:sp>
+      <p:sp>
+        <p:nvSpPr>
+          <p:cNvPr id="3" name="TextBox 2"/>
           <p:cNvSpPr txBox="1"/>
           <p:nvPr/>
         </p:nvSpPr>
         <p:spPr>
           <a:xfrm>
-            <a:off x="1828800" y="2743200"/>
-            <a:ext cx="5486400" cy="1371600"/>
+            <a:off x="914400" y="1645920"/>
+            <a:ext cx="7315200" cy="4114800"/>
           </a:xfrm>
           <a:prstGeom prst="rect">
             <a:avLst/>
@@ -4382,15 +5856,74 @@
           </a:bodyPr>
           <a:lstStyle/>
           <a:p>
-            <a:pPr algn="ctr">
-              <a:defRPr sz="3600" b="1">
-                <a:solidFill>
-                  <a:srgbClr val="002060"/>
-                </a:solidFill>
-              </a:defRPr>
-            </a:pPr>
-            <a:r>
-              <a:t>Content Visibility Gaps &amp; Insights</a:t>
+            <a:pPr>
+              <a:defRPr sz="1200" b="1">
+                <a:solidFill>
+                  <a:srgbClr val="646464"/>
+                </a:solidFill>
+              </a:defRPr>
+            </a:pPr>
+            <a:r>
+              <a:t>KEY INSIGHT</a:t>
+            </a:r>
+          </a:p>
+          <a:p>
+            <a:pPr>
+              <a:spcAft>
+                <a:spcPts val="1500"/>
+              </a:spcAft>
+              <a:defRPr sz="1400"/>
+            </a:pPr>
+            <a:r>
+              <a:t>Competitive analysis requires multi-source data to establish market positioning across authority, traffic, and keyword performance metrics.</a:t>
+            </a:r>
+          </a:p>
+          <a:p>
+            <a:pPr>
+              <a:defRPr sz="1300" b="1"/>
+            </a:pPr>
+            <a:r>
+              <a:t>📊 Competitive Metrics Table:</a:t>
+            </a:r>
+          </a:p>
+          <a:p>
+            <a:pPr lvl="1">
+              <a:defRPr sz="1100"/>
+            </a:pPr>
+            <a:r>
+              <a:t>• Domain Rating (Ahrefs) - Authority comparison</a:t>
+            </a:r>
+          </a:p>
+          <a:p>
+            <a:pPr lvl="1">
+              <a:defRPr sz="1100"/>
+            </a:pPr>
+            <a:r>
+              <a:t>• Monthly Traffic (SEMrush) - Visibility gap analysis</a:t>
+            </a:r>
+          </a:p>
+          <a:p>
+            <a:pPr lvl="1">
+              <a:defRPr sz="1100"/>
+            </a:pPr>
+            <a:r>
+              <a:t>• Total Keywords - Content coverage comparison</a:t>
+            </a:r>
+          </a:p>
+          <a:p>
+            <a:pPr lvl="1">
+              <a:defRPr sz="1100"/>
+            </a:pPr>
+            <a:r>
+              <a:t>• Page 1 Keywords - Competitive SERP presence</a:t>
+            </a:r>
+          </a:p>
+          <a:p>
+            <a:pPr lvl="1">
+              <a:defRPr sz="1100"/>
+            </a:pPr>
+            <a:r>
+              <a:t>• Referring Domains - Link equity assessment</a:t>
             </a:r>
           </a:p>
         </p:txBody>
@@ -4429,7 +5962,7 @@
           <a:lstStyle/>
           <a:p>
             <a:r>
-              <a:t>Meta Tags &amp; Content Signals</a:t>
+              <a:t>User Engagement Quality</a:t>
             </a:r>
           </a:p>
         </p:txBody>
@@ -4443,7 +5976,7 @@
         <p:spPr>
           <a:xfrm>
             <a:off x="914400" y="1645920"/>
-            <a:ext cx="7315200" cy="4572000"/>
+            <a:ext cx="7315200" cy="4114800"/>
           </a:xfrm>
           <a:prstGeom prst="rect">
             <a:avLst/>
@@ -4470,12 +6003,12 @@
           <a:p>
             <a:pPr>
               <a:spcAft>
-                <a:spcPts val="2000"/>
+                <a:spcPts val="1500"/>
               </a:spcAft>
-              <a:defRPr sz="1600" b="1"/>
-            </a:pPr>
-            <a:r>
-              <a:t>261 pages lack optimized meta signals, leaving snippet generation to Google and reducing click-through control.</a:t>
+              <a:defRPr sz="1400" b="1"/>
+            </a:pPr>
+            <a:r>
+              <a:t>Traffic volume means nothing if users don't engage. Engagement metrics reveal content-intent alignment and conversion potential.</a:t>
             </a:r>
           </a:p>
           <a:p>
@@ -4487,39 +6020,50 @@
               </a:defRPr>
             </a:pPr>
             <a:r>
-              <a:t>CRITICAL META ISSUES</a:t>
+              <a:t>GA4 ENGAGEMENT METRICS</a:t>
             </a:r>
           </a:p>
           <a:p>
             <a:pPr lvl="1">
-              <a:defRPr sz="1300"/>
-            </a:pPr>
-            <a:r>
-              <a:t>• Duplicate H1: 257 pages</a:t>
+              <a:defRPr sz="1200"/>
+            </a:pPr>
+            <a:r>
+              <a:t>• Engagement Rate: % of sessions with meaningful interaction</a:t>
             </a:r>
           </a:p>
           <a:p>
             <a:pPr lvl="1">
-              <a:defRPr sz="1300"/>
-            </a:pPr>
-            <a:r>
-              <a:t>• duplicate meta descriptions: 2 pages</a:t>
+              <a:defRPr sz="1200"/>
+            </a:pPr>
+            <a:r>
+              <a:t>• Engaged Sessions: Sessions &gt;10s with 2+ pageviews or conversion</a:t>
             </a:r>
           </a:p>
           <a:p>
             <a:pPr lvl="1">
-              <a:defRPr sz="1300"/>
-            </a:pPr>
-            <a:r>
-              <a:t>• Pages have duplicate meta: 2 pages</a:t>
-            </a:r>
-          </a:p>
-          <a:p>
-            <a:pPr lvl="1">
-              <a:defRPr sz="1300"/>
-            </a:pPr>
-            <a:r>
-              <a:t>• Duplicate title: 0 pages</a:t>
+              <a:defRPr sz="1200"/>
+            </a:pPr>
+            <a:r>
+              <a:t>• Avg Session Duration: Time spent on site</a:t>
+            </a:r>
+          </a:p>
+          <a:p>
+            <a:pPr>
+              <a:spcAft>
+                <a:spcPts val="1000"/>
+              </a:spcAft>
+            </a:pPr>
+          </a:p>
+          <a:p>
+            <a:pPr>
+              <a:defRPr sz="1100">
+                <a:solidFill>
+                  <a:srgbClr val="C83232"/>
+                </a:solidFill>
+              </a:defRPr>
+            </a:pPr>
+            <a:r>
+              <a:t>⚠️ Benchmark: Engagement rate &gt;50% indicates quality traffic</a:t>
             </a:r>
           </a:p>
         </p:txBody>

--- a/SEO_Strategy.pptx
+++ b/SEO_Strategy.pptx
@@ -3121,8 +3121,8 @@
         </p:nvSpPr>
         <p:spPr>
           <a:xfrm>
-            <a:off x="914400" y="2286000"/>
-            <a:ext cx="7315200" cy="914400"/>
+            <a:off x="7315200" y="457200"/>
+            <a:ext cx="1371600" cy="731520"/>
           </a:xfrm>
           <a:prstGeom prst="rect">
             <a:avLst/>
@@ -3135,19 +3135,15 @@
           </a:bodyPr>
           <a:lstStyle/>
           <a:p>
-            <a:pPr>
-              <a:defRPr sz="4400" b="1">
-                <a:solidFill>
-                  <a:srgbClr val="002060"/>
-                </a:solidFill>
-              </a:defRPr>
-            </a:pPr>
-            <a:r>
-              <a:t>SEO Audit Proposal</a:t>
-            </a:r>
-            <a:br/>
-            <a:r>
-              <a:t>Client</a:t>
+            <a:pPr algn="ctr">
+              <a:defRPr sz="1000">
+                <a:solidFill>
+                  <a:srgbClr val="646464"/>
+                </a:solidFill>
+              </a:defRPr>
+            </a:pPr>
+            <a:r>
+              <a:t>[Client Logo]</a:t>
             </a:r>
           </a:p>
         </p:txBody>
@@ -3160,8 +3156,8 @@
         </p:nvSpPr>
         <p:spPr>
           <a:xfrm>
-            <a:off x="914400" y="3657600"/>
-            <a:ext cx="7315200" cy="457200"/>
+            <a:off x="1828800" y="2743200"/>
+            <a:ext cx="5486400" cy="1371600"/>
           </a:xfrm>
           <a:prstGeom prst="rect">
             <a:avLst/>
@@ -3169,12 +3165,51 @@
           <a:noFill/>
         </p:spPr>
         <p:txBody>
+          <a:bodyPr wrap="square">
+            <a:spAutoFit/>
+          </a:bodyPr>
+          <a:lstStyle/>
+          <a:p>
+            <a:pPr algn="ctr">
+              <a:defRPr sz="4400" b="1">
+                <a:solidFill>
+                  <a:srgbClr val="002060"/>
+                </a:solidFill>
+              </a:defRPr>
+            </a:pPr>
+            <a:r>
+              <a:t>SEO Audit Proposal</a:t>
+            </a:r>
+            <a:br/>
+            <a:r>
+              <a:t>Client</a:t>
+            </a:r>
+          </a:p>
+        </p:txBody>
+      </p:sp>
+      <p:sp>
+        <p:nvSpPr>
+          <p:cNvPr id="4" name="TextBox 3"/>
+          <p:cNvSpPr txBox="1"/>
+          <p:nvPr/>
+        </p:nvSpPr>
+        <p:spPr>
+          <a:xfrm>
+            <a:off x="1828800" y="4572000"/>
+            <a:ext cx="5486400" cy="457200"/>
+          </a:xfrm>
+          <a:prstGeom prst="rect">
+            <a:avLst/>
+          </a:prstGeom>
+          <a:noFill/>
+        </p:spPr>
+        <p:txBody>
           <a:bodyPr wrap="none">
             <a:spAutoFit/>
           </a:bodyPr>
           <a:lstStyle/>
           <a:p>
-            <a:pPr>
+            <a:pPr algn="ctr">
               <a:defRPr sz="1800">
                 <a:solidFill>
                   <a:srgbClr val="646464"/>
@@ -3220,8 +3255,15 @@
           <a:bodyPr/>
           <a:lstStyle/>
           <a:p>
-            <a:r>
-              <a:t>Site Health Assessment</a:t>
+            <a:pPr>
+              <a:defRPr>
+                <a:solidFill>
+                  <a:srgbClr val="002060"/>
+                </a:solidFill>
+              </a:defRPr>
+            </a:pPr>
+            <a:r>
+              <a:t>Site Health</a:t>
             </a:r>
           </a:p>
         </p:txBody>
@@ -3234,8 +3276,8 @@
         </p:nvSpPr>
         <p:spPr>
           <a:xfrm>
-            <a:off x="914400" y="1645920"/>
-            <a:ext cx="7315200" cy="4572000"/>
+            <a:off x="7772400" y="1097280"/>
+            <a:ext cx="914400" cy="457200"/>
           </a:xfrm>
           <a:prstGeom prst="rect">
             <a:avLst/>
@@ -3243,13 +3285,44 @@
           <a:noFill/>
         </p:spPr>
         <p:txBody>
+          <a:bodyPr wrap="none">
+            <a:spAutoFit/>
+          </a:bodyPr>
+          <a:lstStyle/>
+          <a:p>
+            <a:pPr algn="ctr">
+              <a:defRPr sz="1800" b="1"/>
+            </a:pPr>
+            <a:r>
+              <a:t>🟡 MEDIUM</a:t>
+            </a:r>
+          </a:p>
+        </p:txBody>
+      </p:sp>
+      <p:sp>
+        <p:nvSpPr>
+          <p:cNvPr id="4" name="TextBox 3"/>
+          <p:cNvSpPr txBox="1"/>
+          <p:nvPr/>
+        </p:nvSpPr>
+        <p:spPr>
+          <a:xfrm>
+            <a:off x="914400" y="1828800"/>
+            <a:ext cx="7315200" cy="914400"/>
+          </a:xfrm>
+          <a:prstGeom prst="rect">
+            <a:avLst/>
+          </a:prstGeom>
+          <a:noFill/>
+        </p:spPr>
+        <p:txBody>
           <a:bodyPr wrap="square">
             <a:spAutoFit/>
           </a:bodyPr>
           <a:lstStyle/>
           <a:p>
             <a:pPr>
-              <a:defRPr sz="1200" b="1">
+              <a:defRPr sz="1000" b="1">
                 <a:solidFill>
                   <a:srgbClr val="646464"/>
                 </a:solidFill>
@@ -3261,60 +3334,57 @@
           </a:p>
           <a:p>
             <a:pPr>
-              <a:spcAft>
-                <a:spcPts val="2000"/>
-              </a:spcAft>
-              <a:defRPr sz="1600" b="1"/>
-            </a:pPr>
-            <a:r>
-              <a:t>Technical foundation is solid at 75% health score, allowing strategic focus on content and authority optimization.</a:t>
-            </a:r>
-          </a:p>
+              <a:spcBef>
+                <a:spcPts val="1000"/>
+              </a:spcBef>
+              <a:defRPr sz="1600" b="1">
+                <a:solidFill>
+                  <a:srgbClr val="000000"/>
+                </a:solidFill>
+              </a:defRPr>
+            </a:pPr>
+            <a:r>
+              <a:t>Technical foundation is solid at 75% health score, with 11 minor issues to address.</a:t>
+            </a:r>
+          </a:p>
+        </p:txBody>
+      </p:sp>
+      <p:sp>
+        <p:nvSpPr>
+          <p:cNvPr id="5" name="TextBox 4"/>
+          <p:cNvSpPr txBox="1"/>
+          <p:nvPr/>
+        </p:nvSpPr>
+        <p:spPr>
+          <a:xfrm>
+            <a:off x="914400" y="3200400"/>
+            <a:ext cx="7315200" cy="3200400"/>
+          </a:xfrm>
+          <a:prstGeom prst="rect">
+            <a:avLst/>
+          </a:prstGeom>
+          <a:noFill/>
+        </p:spPr>
+        <p:txBody>
+          <a:bodyPr wrap="square">
+            <a:spAutoFit/>
+          </a:bodyPr>
+          <a:lstStyle/>
           <a:p>
             <a:pPr>
-              <a:defRPr sz="1400"/>
-            </a:pPr>
-            <a:r>
-              <a:t>Health Score: 75%</a:t>
-            </a:r>
-          </a:p>
-          <a:p>
-            <a:pPr>
-              <a:defRPr sz="1400"/>
-            </a:pPr>
-            <a:r>
-              <a:t>Pages Crawled: 10,000</a:t>
-            </a:r>
-          </a:p>
-          <a:p>
-            <a:pPr>
-              <a:spcAft>
-                <a:spcPts val="2000"/>
-              </a:spcAft>
-              <a:defRPr sz="1400"/>
-            </a:pPr>
-            <a:r>
-              <a:t>Total Issues: 11</a:t>
-            </a:r>
-          </a:p>
-          <a:p>
-            <a:pPr>
-              <a:defRPr sz="1200" b="1">
+              <a:defRPr sz="1200">
                 <a:solidFill>
                   <a:srgbClr val="646464"/>
                 </a:solidFill>
               </a:defRPr>
             </a:pPr>
             <a:r>
-              <a:t>BUSINESS IMPACT</a:t>
-            </a:r>
-          </a:p>
-          <a:p>
-            <a:pPr>
-              <a:defRPr sz="1400"/>
-            </a:pPr>
-            <a:r>
-              <a:t>Strong technical foundation enables content and authority initiatives. Focus optimization efforts on high-value pages to maximize ROI.</a:t>
+              <a:t>Crawled 10,000 pages | Found 11 issues | Priority: Systematic remediation required</a:t>
+            </a:r>
+            <a:br/>
+            <a:br/>
+            <a:r>
+              <a:t>{Data visualizations and detailed analysis go here}</a:t>
             </a:r>
           </a:p>
         </p:txBody>
@@ -3352,8 +3422,15 @@
           <a:bodyPr/>
           <a:lstStyle/>
           <a:p>
-            <a:r>
-              <a:t>Where You Stand - Summary</a:t>
+            <a:pPr>
+              <a:defRPr>
+                <a:solidFill>
+                  <a:srgbClr val="002060"/>
+                </a:solidFill>
+              </a:defRPr>
+            </a:pPr>
+            <a:r>
+              <a:t>Summary - Where You Stand</a:t>
             </a:r>
           </a:p>
         </p:txBody>
@@ -3366,8 +3443,8 @@
         </p:nvSpPr>
         <p:spPr>
           <a:xfrm>
-            <a:off x="731520" y="1645920"/>
-            <a:ext cx="7680960" cy="4572000"/>
+            <a:off x="914400" y="1828800"/>
+            <a:ext cx="7315200" cy="4114800"/>
           </a:xfrm>
           <a:prstGeom prst="rect">
             <a:avLst/>
@@ -3381,65 +3458,19 @@
           <a:lstStyle/>
           <a:p>
             <a:pPr>
-              <a:defRPr sz="1400" b="1">
-                <a:solidFill>
-                  <a:srgbClr val="002060"/>
-                </a:solidFill>
-              </a:defRPr>
-            </a:pPr>
-            <a:r>
-              <a:t>SUMMARY &amp; ACTION PLAN</a:t>
-            </a:r>
-          </a:p>
-          <a:p>
-            <a:br/>
-            <a:pPr>
-              <a:defRPr sz="1200" b="1"/>
-            </a:pPr>
-            <a:r>
-              <a:t>📋 What is the Issue?</a:t>
-            </a:r>
-          </a:p>
-          <a:p>
-            <a:pPr lvl="1">
-              <a:defRPr sz="1100"/>
-            </a:pPr>
-            <a:r>
-              <a:t>• Site health at 75% indicates technical foundation gaps</a:t>
-            </a:r>
-          </a:p>
-          <a:p>
-            <a:br/>
-            <a:pPr>
-              <a:defRPr sz="1200" b="1"/>
-            </a:pPr>
-            <a:r>
-              <a:t>💥 What is the Impact?</a:t>
-            </a:r>
-          </a:p>
-          <a:p>
-            <a:pPr lvl="1">
-              <a:defRPr sz="1100"/>
-            </a:pPr>
-            <a:r>
-              <a:t>• Google's crawl efficiency compromised, limiting indexation of valuable pages</a:t>
-            </a:r>
-          </a:p>
-          <a:p>
-            <a:br/>
-            <a:pPr>
-              <a:defRPr sz="1200" b="1"/>
-            </a:pPr>
-            <a:r>
-              <a:t>🎯 Our Next Action</a:t>
-            </a:r>
-          </a:p>
-          <a:p>
-            <a:pPr lvl="1">
-              <a:defRPr sz="1100"/>
-            </a:pPr>
-            <a:r>
-              <a:t>• Prioritize technical remediation to establish crawlability foundation</a:t>
+              <a:defRPr sz="1200">
+                <a:solidFill>
+                  <a:srgbClr val="646464"/>
+                </a:solidFill>
+              </a:defRPr>
+            </a:pPr>
+            <a:r>
+              <a:t>📋 What is the Issue?
+• Site health at 75% indicates technical foundation gaps
+💥 What is the Impact?
+• Google's crawl efficiency compromised, limiting indexation of valuable pages
+🎯 Our Next Action
+• Prioritize technical remediation to establish crawlability foundation</a:t>
             </a:r>
           </a:p>
         </p:txBody>
@@ -3470,8 +3501,8 @@
         </p:nvSpPr>
         <p:spPr>
           <a:xfrm>
-            <a:off x="1828800" y="2743200"/>
-            <a:ext cx="5486400" cy="1371600"/>
+            <a:off x="1371600" y="2743200"/>
+            <a:ext cx="6400800" cy="1371600"/>
           </a:xfrm>
           <a:prstGeom prst="rect">
             <a:avLst/>
@@ -3530,8 +3561,15 @@
           <a:bodyPr/>
           <a:lstStyle/>
           <a:p>
-            <a:r>
-              <a:t>Meta Tags &amp; Content Signals</a:t>
+            <a:pPr>
+              <a:defRPr>
+                <a:solidFill>
+                  <a:srgbClr val="002060"/>
+                </a:solidFill>
+              </a:defRPr>
+            </a:pPr>
+            <a:r>
+              <a:t>Meta Tags &amp; Heading</a:t>
             </a:r>
           </a:p>
         </p:txBody>
@@ -3544,8 +3582,8 @@
         </p:nvSpPr>
         <p:spPr>
           <a:xfrm>
-            <a:off x="914400" y="1645920"/>
-            <a:ext cx="7315200" cy="4572000"/>
+            <a:off x="7772400" y="1097280"/>
+            <a:ext cx="914400" cy="457200"/>
           </a:xfrm>
           <a:prstGeom prst="rect">
             <a:avLst/>
@@ -3553,13 +3591,44 @@
           <a:noFill/>
         </p:spPr>
         <p:txBody>
+          <a:bodyPr wrap="none">
+            <a:spAutoFit/>
+          </a:bodyPr>
+          <a:lstStyle/>
+          <a:p>
+            <a:pPr algn="ctr">
+              <a:defRPr sz="1800" b="1"/>
+            </a:pPr>
+            <a:r>
+              <a:t>{Priority}</a:t>
+            </a:r>
+          </a:p>
+        </p:txBody>
+      </p:sp>
+      <p:sp>
+        <p:nvSpPr>
+          <p:cNvPr id="4" name="TextBox 3"/>
+          <p:cNvSpPr txBox="1"/>
+          <p:nvPr/>
+        </p:nvSpPr>
+        <p:spPr>
+          <a:xfrm>
+            <a:off x="914400" y="1828800"/>
+            <a:ext cx="7315200" cy="914400"/>
+          </a:xfrm>
+          <a:prstGeom prst="rect">
+            <a:avLst/>
+          </a:prstGeom>
+          <a:noFill/>
+        </p:spPr>
+        <p:txBody>
           <a:bodyPr wrap="square">
             <a:spAutoFit/>
           </a:bodyPr>
           <a:lstStyle/>
           <a:p>
             <a:pPr>
-              <a:defRPr sz="1200" b="1">
+              <a:defRPr sz="1000" b="1">
                 <a:solidFill>
                   <a:srgbClr val="646464"/>
                 </a:solidFill>
@@ -3571,57 +3640,57 @@
           </a:p>
           <a:p>
             <a:pPr>
-              <a:spcAft>
-                <a:spcPts val="2000"/>
-              </a:spcAft>
-              <a:defRPr sz="1600" b="1"/>
-            </a:pPr>
-            <a:r>
-              <a:t>261 pages lack optimized meta signals, leaving snippet generation to Google and reducing click-through control.</a:t>
-            </a:r>
-          </a:p>
+              <a:spcBef>
+                <a:spcPts val="1000"/>
+              </a:spcBef>
+              <a:defRPr sz="1600" b="1">
+                <a:solidFill>
+                  <a:srgbClr val="000000"/>
+                </a:solidFill>
+              </a:defRPr>
+            </a:pPr>
+            <a:r>
+              <a:t>{Key Highlight}</a:t>
+            </a:r>
+          </a:p>
+        </p:txBody>
+      </p:sp>
+      <p:sp>
+        <p:nvSpPr>
+          <p:cNvPr id="5" name="TextBox 4"/>
+          <p:cNvSpPr txBox="1"/>
+          <p:nvPr/>
+        </p:nvSpPr>
+        <p:spPr>
+          <a:xfrm>
+            <a:off x="914400" y="3200400"/>
+            <a:ext cx="7315200" cy="3200400"/>
+          </a:xfrm>
+          <a:prstGeom prst="rect">
+            <a:avLst/>
+          </a:prstGeom>
+          <a:noFill/>
+        </p:spPr>
+        <p:txBody>
+          <a:bodyPr wrap="square">
+            <a:spAutoFit/>
+          </a:bodyPr>
+          <a:lstStyle/>
           <a:p>
             <a:pPr>
-              <a:defRPr sz="1200" b="1">
+              <a:defRPr sz="1200">
                 <a:solidFill>
                   <a:srgbClr val="646464"/>
                 </a:solidFill>
               </a:defRPr>
             </a:pPr>
             <a:r>
-              <a:t>CRITICAL META ISSUES</a:t>
-            </a:r>
-          </a:p>
-          <a:p>
-            <a:pPr lvl="1">
-              <a:defRPr sz="1300"/>
-            </a:pPr>
-            <a:r>
-              <a:t>• Duplicate H1: 257 pages</a:t>
-            </a:r>
-          </a:p>
-          <a:p>
-            <a:pPr lvl="1">
-              <a:defRPr sz="1300"/>
-            </a:pPr>
-            <a:r>
-              <a:t>• duplicate meta descriptions: 2 pages</a:t>
-            </a:r>
-          </a:p>
-          <a:p>
-            <a:pPr lvl="1">
-              <a:defRPr sz="1300"/>
-            </a:pPr>
-            <a:r>
-              <a:t>• Pages have duplicate meta: 2 pages</a:t>
-            </a:r>
-          </a:p>
-          <a:p>
-            <a:pPr lvl="1">
-              <a:defRPr sz="1300"/>
-            </a:pPr>
-            <a:r>
-              <a:t>• Duplicate title: 0 pages</a:t>
+              <a:t>{Observation &amp; Analysis}</a:t>
+            </a:r>
+            <a:br/>
+            <a:br/>
+            <a:r>
+              <a:t>{Data visualizations and detailed analysis go here}</a:t>
             </a:r>
           </a:p>
         </p:txBody>
@@ -3659,6 +3728,13 @@
           <a:bodyPr/>
           <a:lstStyle/>
           <a:p>
+            <a:pPr>
+              <a:defRPr>
+                <a:solidFill>
+                  <a:srgbClr val="002060"/>
+                </a:solidFill>
+              </a:defRPr>
+            </a:pPr>
             <a:r>
               <a:t>Keyword Gap Analysis</a:t>
             </a:r>
@@ -3673,8 +3749,8 @@
         </p:nvSpPr>
         <p:spPr>
           <a:xfrm>
-            <a:off x="914400" y="1645920"/>
-            <a:ext cx="7315200" cy="4114800"/>
+            <a:off x="7772400" y="1097280"/>
+            <a:ext cx="914400" cy="457200"/>
           </a:xfrm>
           <a:prstGeom prst="rect">
             <a:avLst/>
@@ -3682,13 +3758,44 @@
           <a:noFill/>
         </p:spPr>
         <p:txBody>
+          <a:bodyPr wrap="none">
+            <a:spAutoFit/>
+          </a:bodyPr>
+          <a:lstStyle/>
+          <a:p>
+            <a:pPr algn="ctr">
+              <a:defRPr sz="1800" b="1"/>
+            </a:pPr>
+            <a:r>
+              <a:t>{Priority}</a:t>
+            </a:r>
+          </a:p>
+        </p:txBody>
+      </p:sp>
+      <p:sp>
+        <p:nvSpPr>
+          <p:cNvPr id="4" name="TextBox 3"/>
+          <p:cNvSpPr txBox="1"/>
+          <p:nvPr/>
+        </p:nvSpPr>
+        <p:spPr>
+          <a:xfrm>
+            <a:off x="914400" y="1828800"/>
+            <a:ext cx="7315200" cy="914400"/>
+          </a:xfrm>
+          <a:prstGeom prst="rect">
+            <a:avLst/>
+          </a:prstGeom>
+          <a:noFill/>
+        </p:spPr>
+        <p:txBody>
           <a:bodyPr wrap="square">
             <a:spAutoFit/>
           </a:bodyPr>
           <a:lstStyle/>
           <a:p>
             <a:pPr>
-              <a:defRPr sz="1200" b="1">
+              <a:defRPr sz="1000" b="1">
                 <a:solidFill>
                   <a:srgbClr val="646464"/>
                 </a:solidFill>
@@ -3700,65 +3807,57 @@
           </a:p>
           <a:p>
             <a:pPr>
-              <a:spcAft>
-                <a:spcPts val="1500"/>
-              </a:spcAft>
-              <a:defRPr sz="1400" b="1"/>
-            </a:pPr>
-            <a:r>
-              <a:t>Keyword gap analysis reveals **uncaptured demand** flowing to competitors. Every missing keyword represents market share left on the table.</a:t>
-            </a:r>
-          </a:p>
+              <a:spcBef>
+                <a:spcPts val="1000"/>
+              </a:spcBef>
+              <a:defRPr sz="1600" b="1">
+                <a:solidFill>
+                  <a:srgbClr val="000000"/>
+                </a:solidFill>
+              </a:defRPr>
+            </a:pPr>
+            <a:r>
+              <a:t>{Key Highlight}</a:t>
+            </a:r>
+          </a:p>
+        </p:txBody>
+      </p:sp>
+      <p:sp>
+        <p:nvSpPr>
+          <p:cNvPr id="5" name="TextBox 4"/>
+          <p:cNvSpPr txBox="1"/>
+          <p:nvPr/>
+        </p:nvSpPr>
+        <p:spPr>
+          <a:xfrm>
+            <a:off x="914400" y="3200400"/>
+            <a:ext cx="7315200" cy="3200400"/>
+          </a:xfrm>
+          <a:prstGeom prst="rect">
+            <a:avLst/>
+          </a:prstGeom>
+          <a:noFill/>
+        </p:spPr>
+        <p:txBody>
+          <a:bodyPr wrap="square">
+            <a:spAutoFit/>
+          </a:bodyPr>
+          <a:lstStyle/>
           <a:p>
             <a:pPr>
-              <a:defRPr sz="1200" b="1">
+              <a:defRPr sz="1200">
                 <a:solidFill>
                   <a:srgbClr val="646464"/>
                 </a:solidFill>
               </a:defRPr>
             </a:pPr>
             <a:r>
-              <a:t>🎯 KEYWORD GAP OPPORTUNITY</a:t>
-            </a:r>
-          </a:p>
-          <a:p>
-            <a:pPr>
-              <a:defRPr sz="1100"/>
-            </a:pPr>
-            <a:r>
-              <a:t>Requires SEMrush Keyword Gap export showing:</a:t>
-            </a:r>
-          </a:p>
-          <a:p>
-            <a:pPr lvl="1">
-              <a:defRPr sz="1100"/>
-            </a:pPr>
-            <a:r>
-              <a:t>• Missing keywords (competitors rank, you don't)</a:t>
-            </a:r>
-          </a:p>
-          <a:p>
-            <a:pPr lvl="1">
-              <a:defRPr sz="1100"/>
-            </a:pPr>
-            <a:r>
-              <a:t>• Search volume per keyword</a:t>
-            </a:r>
-          </a:p>
-          <a:p>
-            <a:pPr lvl="1">
-              <a:defRPr sz="1100"/>
-            </a:pPr>
-            <a:r>
-              <a:t>• Keyword difficulty score</a:t>
-            </a:r>
-          </a:p>
-          <a:p>
-            <a:pPr lvl="1">
-              <a:defRPr sz="1100"/>
-            </a:pPr>
-            <a:r>
-              <a:t>• Which competitors own each keyword</a:t>
+              <a:t>{Observation &amp; Analysis}</a:t>
+            </a:r>
+            <a:br/>
+            <a:br/>
+            <a:r>
+              <a:t>{Data visualizations and detailed analysis go here}</a:t>
             </a:r>
           </a:p>
         </p:txBody>
@@ -3796,8 +3895,15 @@
           <a:bodyPr/>
           <a:lstStyle/>
           <a:p>
-            <a:r>
-              <a:t>Keyword Portfolio by Intent</a:t>
+            <a:pPr>
+              <a:defRPr>
+                <a:solidFill>
+                  <a:srgbClr val="002060"/>
+                </a:solidFill>
+              </a:defRPr>
+            </a:pPr>
+            <a:r>
+              <a:t>Keyword Intent Distribution</a:t>
             </a:r>
           </a:p>
         </p:txBody>
@@ -3810,8 +3916,8 @@
         </p:nvSpPr>
         <p:spPr>
           <a:xfrm>
-            <a:off x="914400" y="1645920"/>
-            <a:ext cx="7315200" cy="4114800"/>
+            <a:off x="7772400" y="1097280"/>
+            <a:ext cx="914400" cy="457200"/>
           </a:xfrm>
           <a:prstGeom prst="rect">
             <a:avLst/>
@@ -3819,13 +3925,44 @@
           <a:noFill/>
         </p:spPr>
         <p:txBody>
+          <a:bodyPr wrap="none">
+            <a:spAutoFit/>
+          </a:bodyPr>
+          <a:lstStyle/>
+          <a:p>
+            <a:pPr algn="ctr">
+              <a:defRPr sz="1800" b="1"/>
+            </a:pPr>
+            <a:r>
+              <a:t>{Priority}</a:t>
+            </a:r>
+          </a:p>
+        </p:txBody>
+      </p:sp>
+      <p:sp>
+        <p:nvSpPr>
+          <p:cNvPr id="4" name="TextBox 3"/>
+          <p:cNvSpPr txBox="1"/>
+          <p:nvPr/>
+        </p:nvSpPr>
+        <p:spPr>
+          <a:xfrm>
+            <a:off x="914400" y="1828800"/>
+            <a:ext cx="7315200" cy="914400"/>
+          </a:xfrm>
+          <a:prstGeom prst="rect">
+            <a:avLst/>
+          </a:prstGeom>
+          <a:noFill/>
+        </p:spPr>
+        <p:txBody>
           <a:bodyPr wrap="square">
             <a:spAutoFit/>
           </a:bodyPr>
           <a:lstStyle/>
           <a:p>
             <a:pPr>
-              <a:defRPr sz="1200" b="1">
+              <a:defRPr sz="1000" b="1">
                 <a:solidFill>
                   <a:srgbClr val="646464"/>
                 </a:solidFill>
@@ -3837,57 +3974,57 @@
           </a:p>
           <a:p>
             <a:pPr>
-              <a:spcAft>
-                <a:spcPts val="1500"/>
-              </a:spcAft>
-              <a:defRPr sz="1400"/>
-            </a:pPr>
-            <a:r>
-              <a:t>Intent distribution reveals funnel coverage. Behavioral keywords drive awareness, Device &amp; Utility keywords capture purchase intent.</a:t>
-            </a:r>
-          </a:p>
+              <a:spcBef>
+                <a:spcPts val="1000"/>
+              </a:spcBef>
+              <a:defRPr sz="1600" b="1">
+                <a:solidFill>
+                  <a:srgbClr val="000000"/>
+                </a:solidFill>
+              </a:defRPr>
+            </a:pPr>
+            <a:r>
+              <a:t>{Key Highlight}</a:t>
+            </a:r>
+          </a:p>
+        </p:txBody>
+      </p:sp>
+      <p:sp>
+        <p:nvSpPr>
+          <p:cNvPr id="5" name="TextBox 4"/>
+          <p:cNvSpPr txBox="1"/>
+          <p:nvPr/>
+        </p:nvSpPr>
+        <p:spPr>
+          <a:xfrm>
+            <a:off x="914400" y="3200400"/>
+            <a:ext cx="7315200" cy="3200400"/>
+          </a:xfrm>
+          <a:prstGeom prst="rect">
+            <a:avLst/>
+          </a:prstGeom>
+          <a:noFill/>
+        </p:spPr>
+        <p:txBody>
+          <a:bodyPr wrap="square">
+            <a:spAutoFit/>
+          </a:bodyPr>
+          <a:lstStyle/>
           <a:p>
             <a:pPr>
-              <a:defRPr sz="1200" b="1">
+              <a:defRPr sz="1200">
                 <a:solidFill>
                   <a:srgbClr val="646464"/>
                 </a:solidFill>
               </a:defRPr>
             </a:pPr>
             <a:r>
-              <a:t>📊 KEYWORD CATEGORY BREAKDOWN</a:t>
-            </a:r>
-          </a:p>
-          <a:p>
-            <a:pPr lvl="1">
-              <a:defRPr sz="1100"/>
-            </a:pPr>
-            <a:r>
-              <a:t>• Behavioral: How-to, guides, benefits → Awareness stage</a:t>
-            </a:r>
-          </a:p>
-          <a:p>
-            <a:pPr lvl="1">
-              <a:defRPr sz="1100"/>
-            </a:pPr>
-            <a:r>
-              <a:t>• Device &amp; Utility: Best, top, comparisons → Consideration stage</a:t>
-            </a:r>
-          </a:p>
-          <a:p>
-            <a:pPr lvl="1">
-              <a:defRPr sz="1100"/>
-            </a:pPr>
-            <a:r>
-              <a:t>• Brand: Brand + reviews, coupons → Decision stage</a:t>
-            </a:r>
-          </a:p>
-          <a:p>
-            <a:pPr lvl="1">
-              <a:defRPr sz="1100"/>
-            </a:pPr>
-            <a:r>
-              <a:t>• Location: Geo-modified terms → Local targeting</a:t>
+              <a:t>{Observation &amp; Analysis}</a:t>
+            </a:r>
+            <a:br/>
+            <a:br/>
+            <a:r>
+              <a:t>{Data visualizations and detailed analysis go here}</a:t>
             </a:r>
           </a:p>
         </p:txBody>
@@ -3925,8 +4062,15 @@
           <a:bodyPr/>
           <a:lstStyle/>
           <a:p>
-            <a:r>
-              <a:t>Content Gaps - Summary</a:t>
+            <a:pPr>
+              <a:defRPr>
+                <a:solidFill>
+                  <a:srgbClr val="002060"/>
+                </a:solidFill>
+              </a:defRPr>
+            </a:pPr>
+            <a:r>
+              <a:t>Summary - Content Gaps</a:t>
             </a:r>
           </a:p>
         </p:txBody>
@@ -3939,8 +4083,8 @@
         </p:nvSpPr>
         <p:spPr>
           <a:xfrm>
-            <a:off x="731520" y="1645920"/>
-            <a:ext cx="7680960" cy="4572000"/>
+            <a:off x="914400" y="1828800"/>
+            <a:ext cx="7315200" cy="4114800"/>
           </a:xfrm>
           <a:prstGeom prst="rect">
             <a:avLst/>
@@ -3954,65 +4098,14 @@
           <a:lstStyle/>
           <a:p>
             <a:pPr>
-              <a:defRPr sz="1400" b="1">
-                <a:solidFill>
-                  <a:srgbClr val="002060"/>
-                </a:solidFill>
-              </a:defRPr>
-            </a:pPr>
-            <a:r>
-              <a:t>SUMMARY &amp; ACTION PLAN</a:t>
-            </a:r>
-          </a:p>
-          <a:p>
-            <a:br/>
-            <a:pPr>
-              <a:defRPr sz="1200" b="1"/>
-            </a:pPr>
-            <a:r>
-              <a:t>📋 What is the Issue?</a:t>
-            </a:r>
-          </a:p>
-          <a:p>
-            <a:pPr lvl="1">
-              <a:defRPr sz="1100"/>
-            </a:pPr>
-            <a:r>
-              <a:t>• Meta optimization gaps across 261 pages suppress visibility</a:t>
-            </a:r>
-          </a:p>
-          <a:p>
-            <a:br/>
-            <a:pPr>
-              <a:defRPr sz="1200" b="1"/>
-            </a:pPr>
-            <a:r>
-              <a:t>💥 What is the Impact?</a:t>
-            </a:r>
-          </a:p>
-          <a:p>
-            <a:pPr lvl="1">
-              <a:defRPr sz="1100"/>
-            </a:pPr>
-            <a:r>
-              <a:t>• Pages compete against themselves, fragmenting authority and CTR</a:t>
-            </a:r>
-          </a:p>
-          <a:p>
-            <a:br/>
-            <a:pPr>
-              <a:defRPr sz="1200" b="1"/>
-            </a:pPr>
-            <a:r>
-              <a:t>🎯 Our Next Action</a:t>
-            </a:r>
-          </a:p>
-          <a:p>
-            <a:pPr lvl="1">
-              <a:defRPr sz="1100"/>
-            </a:pPr>
-            <a:r>
-              <a:t>• Deploy unique meta tags prioritizing revenue-generating pages first</a:t>
+              <a:defRPr sz="1200">
+                <a:solidFill>
+                  <a:srgbClr val="646464"/>
+                </a:solidFill>
+              </a:defRPr>
+            </a:pPr>
+            <a:r>
+              <a:t>{Summary content - Issue | Impact | Action}</a:t>
             </a:r>
           </a:p>
         </p:txBody>
@@ -4043,8 +4136,8 @@
         </p:nvSpPr>
         <p:spPr>
           <a:xfrm>
-            <a:off x="1828800" y="2743200"/>
-            <a:ext cx="5486400" cy="1371600"/>
+            <a:off x="1371600" y="2743200"/>
+            <a:ext cx="6400800" cy="1371600"/>
           </a:xfrm>
           <a:prstGeom prst="rect">
             <a:avLst/>
@@ -4103,8 +4196,15 @@
           <a:bodyPr/>
           <a:lstStyle/>
           <a:p>
-            <a:r>
-              <a:t>Technical Barriers to Growth</a:t>
+            <a:pPr>
+              <a:defRPr>
+                <a:solidFill>
+                  <a:srgbClr val="002060"/>
+                </a:solidFill>
+              </a:defRPr>
+            </a:pPr>
+            <a:r>
+              <a:t>Technical SEO Issues</a:t>
             </a:r>
           </a:p>
         </p:txBody>
@@ -4117,8 +4217,8 @@
         </p:nvSpPr>
         <p:spPr>
           <a:xfrm>
-            <a:off x="731520" y="1645920"/>
-            <a:ext cx="7680960" cy="4572000"/>
+            <a:off x="7772400" y="1097280"/>
+            <a:ext cx="914400" cy="457200"/>
           </a:xfrm>
           <a:prstGeom prst="rect">
             <a:avLst/>
@@ -4126,13 +4226,44 @@
           <a:noFill/>
         </p:spPr>
         <p:txBody>
+          <a:bodyPr wrap="none">
+            <a:spAutoFit/>
+          </a:bodyPr>
+          <a:lstStyle/>
+          <a:p>
+            <a:pPr algn="ctr">
+              <a:defRPr sz="1800" b="1"/>
+            </a:pPr>
+            <a:r>
+              <a:t>{Priority}</a:t>
+            </a:r>
+          </a:p>
+        </p:txBody>
+      </p:sp>
+      <p:sp>
+        <p:nvSpPr>
+          <p:cNvPr id="4" name="TextBox 3"/>
+          <p:cNvSpPr txBox="1"/>
+          <p:nvPr/>
+        </p:nvSpPr>
+        <p:spPr>
+          <a:xfrm>
+            <a:off x="914400" y="1828800"/>
+            <a:ext cx="7315200" cy="914400"/>
+          </a:xfrm>
+          <a:prstGeom prst="rect">
+            <a:avLst/>
+          </a:prstGeom>
+          <a:noFill/>
+        </p:spPr>
+        <p:txBody>
           <a:bodyPr wrap="square">
             <a:spAutoFit/>
           </a:bodyPr>
           <a:lstStyle/>
           <a:p>
             <a:pPr>
-              <a:defRPr sz="1200" b="1">
+              <a:defRPr sz="1000" b="1">
                 <a:solidFill>
                   <a:srgbClr val="646464"/>
                 </a:solidFill>
@@ -4144,185 +4275,57 @@
           </a:p>
           <a:p>
             <a:pPr>
-              <a:spcAft>
-                <a:spcPts val="2000"/>
-              </a:spcAft>
-              <a:defRPr sz="1500" b="1"/>
-            </a:pPr>
-            <a:r>
-              <a:t>**660 instances** are fragmenting site quality signals</a:t>
-            </a:r>
-          </a:p>
+              <a:spcBef>
+                <a:spcPts val="1000"/>
+              </a:spcBef>
+              <a:defRPr sz="1600" b="1">
+                <a:solidFill>
+                  <a:srgbClr val="000000"/>
+                </a:solidFill>
+              </a:defRPr>
+            </a:pPr>
+            <a:r>
+              <a:t>{Key Highlight}</a:t>
+            </a:r>
+          </a:p>
+        </p:txBody>
+      </p:sp>
+      <p:sp>
+        <p:nvSpPr>
+          <p:cNvPr id="5" name="TextBox 4"/>
+          <p:cNvSpPr txBox="1"/>
+          <p:nvPr/>
+        </p:nvSpPr>
+        <p:spPr>
+          <a:xfrm>
+            <a:off x="914400" y="3200400"/>
+            <a:ext cx="7315200" cy="3200400"/>
+          </a:xfrm>
+          <a:prstGeom prst="rect">
+            <a:avLst/>
+          </a:prstGeom>
+          <a:noFill/>
+        </p:spPr>
+        <p:txBody>
+          <a:bodyPr wrap="square">
+            <a:spAutoFit/>
+          </a:bodyPr>
+          <a:lstStyle/>
           <a:p>
             <a:pPr>
-              <a:defRPr sz="1200" b="1">
+              <a:defRPr sz="1200">
                 <a:solidFill>
                   <a:srgbClr val="646464"/>
                 </a:solidFill>
               </a:defRPr>
             </a:pPr>
             <a:r>
-              <a:t>CRITICAL TECHNICAL ISSUES</a:t>
-            </a:r>
-          </a:p>
-          <a:p>
-            <a:pPr lvl="1">
-              <a:defRPr sz="1200"/>
-            </a:pPr>
-            <a:r>
-              <a:t>• uncached JavaScript detected across site</a:t>
-            </a:r>
-          </a:p>
-          <a:p>
-            <a:pPr lvl="2">
-              <a:defRPr sz="1000">
-                <a:solidFill>
-                  <a:srgbClr val="505050"/>
-                </a:solidFill>
-              </a:defRPr>
-            </a:pPr>
-            <a:r>
-              <a:t>  → 660 instances | Action: Prioritize remediation based on page value and traffic potential</a:t>
-            </a:r>
-          </a:p>
-          <a:p>
-            <a:pPr lvl="1">
-              <a:defRPr sz="1200"/>
-            </a:pPr>
-            <a:r>
-              <a:t>• Content depth insufficient for topical authority</a:t>
-            </a:r>
-          </a:p>
-          <a:p>
-            <a:pPr lvl="2">
-              <a:defRPr sz="1000">
-                <a:solidFill>
-                  <a:srgbClr val="505050"/>
-                </a:solidFill>
-              </a:defRPr>
-            </a:pPr>
-            <a:r>
-              <a:t>  → 277 instances | Action: Expand content depth on high-opportunity pages to establish expertise</a:t>
-            </a:r>
-          </a:p>
-          <a:p>
-            <a:pPr lvl="1">
-              <a:defRPr sz="1200"/>
-            </a:pPr>
-            <a:r>
-              <a:t>• URL architecture unstable with temporary redirect chains</a:t>
-            </a:r>
-          </a:p>
-          <a:p>
-            <a:pPr lvl="2">
-              <a:defRPr sz="1000">
-                <a:solidFill>
-                  <a:srgbClr val="505050"/>
-                </a:solidFill>
-              </a:defRPr>
-            </a:pPr>
-            <a:r>
-              <a:t>  → 235 instances | Action: Convert temporary (302) to permanent (301) redirects immediately</a:t>
-            </a:r>
-          </a:p>
-          <a:p>
-            <a:pPr lvl="1">
-              <a:defRPr sz="1200"/>
-            </a:pPr>
-            <a:r>
-              <a:t>• Critical link architecture failures creating navigation blind spots</a:t>
-            </a:r>
-          </a:p>
-          <a:p>
-            <a:pPr lvl="2">
-              <a:defRPr sz="1000">
-                <a:solidFill>
-                  <a:srgbClr val="505050"/>
-                </a:solidFill>
-              </a:defRPr>
-            </a:pPr>
-            <a:r>
-              <a:t>  → 53 instances | Action: Implement systematic link audit and remediation protocol</a:t>
-            </a:r>
-          </a:p>
-          <a:p>
-            <a:pPr lvl="1">
-              <a:defRPr sz="1200"/>
-            </a:pPr>
-            <a:r>
-              <a:t>• International targeting signals conflicting across markets</a:t>
-            </a:r>
-          </a:p>
-          <a:p>
-            <a:pPr lvl="2">
-              <a:defRPr sz="1000">
-                <a:solidFill>
-                  <a:srgbClr val="505050"/>
-                </a:solidFill>
-              </a:defRPr>
-            </a:pPr>
-            <a:r>
-              <a:t>  → 17 instances | Action: Audit and correct hreflang implementation across all markets</a:t>
-            </a:r>
-          </a:p>
-          <a:p>
-            <a:pPr lvl="1">
-              <a:defRPr sz="1200"/>
-            </a:pPr>
-            <a:r>
-              <a:t>• Pages returning error states to search engines</a:t>
-            </a:r>
-          </a:p>
-          <a:p>
-            <a:pPr lvl="2">
-              <a:defRPr sz="1000">
-                <a:solidFill>
-                  <a:srgbClr val="505050"/>
-                </a:solidFill>
-              </a:defRPr>
-            </a:pPr>
-            <a:r>
-              <a:t>  → 7 instances | Action: Restore indexability for high-value pages within 48 hours</a:t>
-            </a:r>
-          </a:p>
-          <a:p>
-            <a:pPr lvl="1">
-              <a:defRPr sz="1200"/>
-            </a:pPr>
-            <a:r>
-              <a:t>• Pages returned 4XX detected across site</a:t>
-            </a:r>
-          </a:p>
-          <a:p>
-            <a:pPr lvl="2">
-              <a:defRPr sz="1000">
-                <a:solidFill>
-                  <a:srgbClr val="505050"/>
-                </a:solidFill>
-              </a:defRPr>
-            </a:pPr>
-            <a:r>
-              <a:t>  → 7 instances | Action: Prioritize remediation based on page value and traffic potential</a:t>
-            </a:r>
-          </a:p>
-          <a:p>
-            <a:pPr lvl="1">
-              <a:defRPr sz="1200"/>
-            </a:pPr>
-            <a:r>
-              <a:t>• Security certificate expired or expiring soon</a:t>
-            </a:r>
-          </a:p>
-          <a:p>
-            <a:pPr lvl="2">
-              <a:defRPr sz="1000">
-                <a:solidFill>
-                  <a:srgbClr val="505050"/>
-                </a:solidFill>
-              </a:defRPr>
-            </a:pPr>
-            <a:r>
-              <a:t>  → 0 instances | Action: Renew SSL certificate immediately and implement auto-renewal</a:t>
+              <a:t>{Observation &amp; Analysis}</a:t>
+            </a:r>
+            <a:br/>
+            <a:br/>
+            <a:r>
+              <a:t>{Data visualizations and detailed analysis go here}</a:t>
             </a:r>
           </a:p>
         </p:txBody>
@@ -4360,8 +4363,15 @@
           <a:bodyPr/>
           <a:lstStyle/>
           <a:p>
-            <a:r>
-              <a:t>Technical Gaps - Summary</a:t>
+            <a:pPr>
+              <a:defRPr>
+                <a:solidFill>
+                  <a:srgbClr val="002060"/>
+                </a:solidFill>
+              </a:defRPr>
+            </a:pPr>
+            <a:r>
+              <a:t>Summary - Technical Gaps</a:t>
             </a:r>
           </a:p>
         </p:txBody>
@@ -4374,8 +4384,8 @@
         </p:nvSpPr>
         <p:spPr>
           <a:xfrm>
-            <a:off x="731520" y="1645920"/>
-            <a:ext cx="7680960" cy="4572000"/>
+            <a:off x="914400" y="1828800"/>
+            <a:ext cx="7315200" cy="4114800"/>
           </a:xfrm>
           <a:prstGeom prst="rect">
             <a:avLst/>
@@ -4389,65 +4399,14 @@
           <a:lstStyle/>
           <a:p>
             <a:pPr>
-              <a:defRPr sz="1400" b="1">
-                <a:solidFill>
-                  <a:srgbClr val="002060"/>
-                </a:solidFill>
-              </a:defRPr>
-            </a:pPr>
-            <a:r>
-              <a:t>SUMMARY &amp; ACTION PLAN</a:t>
-            </a:r>
-          </a:p>
-          <a:p>
-            <a:br/>
-            <a:pPr>
-              <a:defRPr sz="1200" b="1"/>
-            </a:pPr>
-            <a:r>
-              <a:t>📋 What is the Issue?</a:t>
-            </a:r>
-          </a:p>
-          <a:p>
-            <a:pPr lvl="1">
-              <a:defRPr sz="1100"/>
-            </a:pPr>
-            <a:r>
-              <a:t>• 8 technical barriers block crawler access and indexation</a:t>
-            </a:r>
-          </a:p>
-          <a:p>
-            <a:br/>
-            <a:pPr>
-              <a:defRPr sz="1200" b="1"/>
-            </a:pPr>
-            <a:r>
-              <a:t>💥 What is the Impact?</a:t>
-            </a:r>
-          </a:p>
-          <a:p>
-            <a:pPr lvl="1">
-              <a:defRPr sz="1100"/>
-            </a:pPr>
-            <a:r>
-              <a:t>• Content investments invisible to search engines, zero ROI on development</a:t>
-            </a:r>
-          </a:p>
-          <a:p>
-            <a:br/>
-            <a:pPr>
-              <a:defRPr sz="1200" b="1"/>
-            </a:pPr>
-            <a:r>
-              <a:t>🎯 Our Next Action</a:t>
-            </a:r>
-          </a:p>
-          <a:p>
-            <a:pPr lvl="1">
-              <a:defRPr sz="1100"/>
-            </a:pPr>
-            <a:r>
-              <a:t>• Address critical crawlability and indexability issues within 48 hours</a:t>
+              <a:defRPr sz="1200">
+                <a:solidFill>
+                  <a:srgbClr val="646464"/>
+                </a:solidFill>
+              </a:defRPr>
+            </a:pPr>
+            <a:r>
+              <a:t>{Summary content - Issue | Impact | Action}</a:t>
             </a:r>
           </a:p>
         </p:txBody>
@@ -4485,6 +4444,13 @@
           <a:bodyPr/>
           <a:lstStyle/>
           <a:p>
+            <a:pPr>
+              <a:defRPr>
+                <a:solidFill>
+                  <a:srgbClr val="002060"/>
+                </a:solidFill>
+              </a:defRPr>
+            </a:pPr>
             <a:r>
               <a:t>SEO Audit Overview</a:t>
             </a:r>
@@ -4505,36 +4471,7 @@
         <p:txBody>
           <a:bodyPr/>
           <a:lstStyle/>
-          <a:p>
-            <a:pPr/>
-            <a:r>
-              <a:t>Comprehensive Analysis Framework</a:t>
-            </a:r>
-          </a:p>
-          <a:p>
-            <a:pPr lvl="1"/>
-            <a:r>
-              <a:t>Establishing your digital competitive position</a:t>
-            </a:r>
-          </a:p>
-          <a:p>
-            <a:pPr lvl="1"/>
-            <a:r>
-              <a:t>Identifying high-impact growth opportunities</a:t>
-            </a:r>
-          </a:p>
-          <a:p>
-            <a:pPr lvl="1"/>
-            <a:r>
-              <a:t>Translating technical signals into strategic actions</a:t>
-            </a:r>
-          </a:p>
-          <a:p>
-            <a:pPr lvl="1"/>
-            <a:r>
-              <a:t>Building the pathway to organic market leadership</a:t>
-            </a:r>
-          </a:p>
+          <a:p/>
         </p:txBody>
       </p:sp>
     </p:spTree>
@@ -4563,8 +4500,8 @@
         </p:nvSpPr>
         <p:spPr>
           <a:xfrm>
-            <a:off x="1828800" y="2743200"/>
-            <a:ext cx="5486400" cy="1371600"/>
+            <a:off x="1371600" y="2743200"/>
+            <a:ext cx="6400800" cy="1371600"/>
           </a:xfrm>
           <a:prstGeom prst="rect">
             <a:avLst/>
@@ -4623,6 +4560,13 @@
           <a:bodyPr/>
           <a:lstStyle/>
           <a:p>
+            <a:pPr>
+              <a:defRPr>
+                <a:solidFill>
+                  <a:srgbClr val="002060"/>
+                </a:solidFill>
+              </a:defRPr>
+            </a:pPr>
             <a:r>
               <a:t>Domain Authority Assessment</a:t>
             </a:r>
@@ -4637,8 +4581,8 @@
         </p:nvSpPr>
         <p:spPr>
           <a:xfrm>
-            <a:off x="914400" y="1645920"/>
-            <a:ext cx="7315200" cy="4114800"/>
+            <a:off x="7772400" y="1097280"/>
+            <a:ext cx="914400" cy="457200"/>
           </a:xfrm>
           <a:prstGeom prst="rect">
             <a:avLst/>
@@ -4646,13 +4590,44 @@
           <a:noFill/>
         </p:spPr>
         <p:txBody>
+          <a:bodyPr wrap="none">
+            <a:spAutoFit/>
+          </a:bodyPr>
+          <a:lstStyle/>
+          <a:p>
+            <a:pPr algn="ctr">
+              <a:defRPr sz="1800" b="1"/>
+            </a:pPr>
+            <a:r>
+              <a:t>{Priority}</a:t>
+            </a:r>
+          </a:p>
+        </p:txBody>
+      </p:sp>
+      <p:sp>
+        <p:nvSpPr>
+          <p:cNvPr id="4" name="TextBox 3"/>
+          <p:cNvSpPr txBox="1"/>
+          <p:nvPr/>
+        </p:nvSpPr>
+        <p:spPr>
+          <a:xfrm>
+            <a:off x="914400" y="1828800"/>
+            <a:ext cx="7315200" cy="914400"/>
+          </a:xfrm>
+          <a:prstGeom prst="rect">
+            <a:avLst/>
+          </a:prstGeom>
+          <a:noFill/>
+        </p:spPr>
+        <p:txBody>
           <a:bodyPr wrap="square">
             <a:spAutoFit/>
           </a:bodyPr>
           <a:lstStyle/>
           <a:p>
             <a:pPr>
-              <a:defRPr sz="1200" b="1">
+              <a:defRPr sz="1000" b="1">
                 <a:solidFill>
                   <a:srgbClr val="646464"/>
                 </a:solidFill>
@@ -4664,76 +4639,57 @@
           </a:p>
           <a:p>
             <a:pPr>
-              <a:spcAft>
-                <a:spcPts val="1500"/>
-              </a:spcAft>
-              <a:defRPr sz="1400" b="1"/>
-            </a:pPr>
-            <a:r>
-              <a:t>Domain authority determines ranking ceiling. Low authority = can't compete for valuable keywords, even with perfect content.</a:t>
-            </a:r>
-          </a:p>
+              <a:spcBef>
+                <a:spcPts val="1000"/>
+              </a:spcBef>
+              <a:defRPr sz="1600" b="1">
+                <a:solidFill>
+                  <a:srgbClr val="000000"/>
+                </a:solidFill>
+              </a:defRPr>
+            </a:pPr>
+            <a:r>
+              <a:t>{Key Highlight}</a:t>
+            </a:r>
+          </a:p>
+        </p:txBody>
+      </p:sp>
+      <p:sp>
+        <p:nvSpPr>
+          <p:cNvPr id="5" name="TextBox 4"/>
+          <p:cNvSpPr txBox="1"/>
+          <p:nvPr/>
+        </p:nvSpPr>
+        <p:spPr>
+          <a:xfrm>
+            <a:off x="914400" y="3200400"/>
+            <a:ext cx="7315200" cy="3200400"/>
+          </a:xfrm>
+          <a:prstGeom prst="rect">
+            <a:avLst/>
+          </a:prstGeom>
+          <a:noFill/>
+        </p:spPr>
+        <p:txBody>
+          <a:bodyPr wrap="square">
+            <a:spAutoFit/>
+          </a:bodyPr>
+          <a:lstStyle/>
           <a:p>
             <a:pPr>
-              <a:defRPr sz="1200" b="1">
+              <a:defRPr sz="1200">
                 <a:solidFill>
                   <a:srgbClr val="646464"/>
                 </a:solidFill>
               </a:defRPr>
             </a:pPr>
             <a:r>
-              <a:t>🔗 AUTHORITY METRICS (Ahrefs)</a:t>
-            </a:r>
-          </a:p>
-          <a:p>
-            <a:pPr lvl="1">
-              <a:defRPr sz="1100"/>
-            </a:pPr>
-            <a:r>
-              <a:t>• Domain Rating (DR): 0-100 authority score</a:t>
-            </a:r>
-          </a:p>
-          <a:p>
-            <a:pPr lvl="1">
-              <a:defRPr sz="1100"/>
-            </a:pPr>
-            <a:r>
-              <a:t>• Referring Domains: Unique sites linking to you</a:t>
-            </a:r>
-          </a:p>
-          <a:p>
-            <a:pPr lvl="1">
-              <a:defRPr sz="1100"/>
-            </a:pPr>
-            <a:r>
-              <a:t>• DR Trend: Growing/stable/declining over 6 months</a:t>
-            </a:r>
-          </a:p>
-          <a:p>
-            <a:pPr lvl="1">
-              <a:defRPr sz="1100"/>
-            </a:pPr>
-            <a:r>
-              <a:t>• Competitor Gap: How far behind/ahead of competition</a:t>
-            </a:r>
-          </a:p>
-          <a:p>
-            <a:pPr>
-              <a:spcAft>
-                <a:spcPts val="1000"/>
-              </a:spcAft>
-            </a:pPr>
-          </a:p>
-          <a:p>
-            <a:pPr>
-              <a:defRPr sz="1100">
-                <a:solidFill>
-                  <a:srgbClr val="C83232"/>
-                </a:solidFill>
-              </a:defRPr>
-            </a:pPr>
-            <a:r>
-              <a:t>⚠️ DR &lt;40 = Can only compete for low-difficulty keywords</a:t>
+              <a:t>{Observation &amp; Analysis}</a:t>
+            </a:r>
+            <a:br/>
+            <a:br/>
+            <a:r>
+              <a:t>{Data visualizations and detailed analysis go here}</a:t>
             </a:r>
           </a:p>
         </p:txBody>
@@ -4771,8 +4727,15 @@
           <a:bodyPr/>
           <a:lstStyle/>
           <a:p>
-            <a:r>
-              <a:t>Domain Authority - Summary</a:t>
+            <a:pPr>
+              <a:defRPr>
+                <a:solidFill>
+                  <a:srgbClr val="002060"/>
+                </a:solidFill>
+              </a:defRPr>
+            </a:pPr>
+            <a:r>
+              <a:t>Summary - Domain Authority</a:t>
             </a:r>
           </a:p>
         </p:txBody>
@@ -4785,8 +4748,8 @@
         </p:nvSpPr>
         <p:spPr>
           <a:xfrm>
-            <a:off x="731520" y="1645920"/>
-            <a:ext cx="7680960" cy="4572000"/>
+            <a:off x="914400" y="1828800"/>
+            <a:ext cx="7315200" cy="4114800"/>
           </a:xfrm>
           <a:prstGeom prst="rect">
             <a:avLst/>
@@ -4800,65 +4763,14 @@
           <a:lstStyle/>
           <a:p>
             <a:pPr>
-              <a:defRPr sz="1400" b="1">
-                <a:solidFill>
-                  <a:srgbClr val="002060"/>
-                </a:solidFill>
-              </a:defRPr>
-            </a:pPr>
-            <a:r>
-              <a:t>SUMMARY &amp; ACTION PLAN</a:t>
-            </a:r>
-          </a:p>
-          <a:p>
-            <a:br/>
-            <a:pPr>
-              <a:defRPr sz="1200" b="1"/>
-            </a:pPr>
-            <a:r>
-              <a:t>📋 What is the Issue?</a:t>
-            </a:r>
-          </a:p>
-          <a:p>
-            <a:pPr lvl="1">
-              <a:defRPr sz="1100"/>
-            </a:pPr>
-            <a:r>
-              <a:t>• Domain authority gap limits competitive positioning on high-value terms</a:t>
-            </a:r>
-          </a:p>
-          <a:p>
-            <a:br/>
-            <a:pPr>
-              <a:defRPr sz="1200" b="1"/>
-            </a:pPr>
-            <a:r>
-              <a:t>💥 What is the Impact?</a:t>
-            </a:r>
-          </a:p>
-          <a:p>
-            <a:pPr lvl="1">
-              <a:defRPr sz="1100"/>
-            </a:pPr>
-            <a:r>
-              <a:t>• Even optimized content won't rank without authority foundation</a:t>
-            </a:r>
-          </a:p>
-          <a:p>
-            <a:br/>
-            <a:pPr>
-              <a:defRPr sz="1200" b="1"/>
-            </a:pPr>
-            <a:r>
-              <a:t>🎯 Our Next Action</a:t>
-            </a:r>
-          </a:p>
-          <a:p>
-            <a:pPr lvl="1">
-              <a:defRPr sz="1100"/>
-            </a:pPr>
-            <a:r>
-              <a:t>• Launch strategic link acquisition targeting high-DR industry publications</a:t>
+              <a:defRPr sz="1200">
+                <a:solidFill>
+                  <a:srgbClr val="646464"/>
+                </a:solidFill>
+              </a:defRPr>
+            </a:pPr>
+            <a:r>
+              <a:t>{Summary content - Issue | Impact | Action}</a:t>
             </a:r>
           </a:p>
         </p:txBody>
@@ -4889,8 +4801,8 @@
         </p:nvSpPr>
         <p:spPr>
           <a:xfrm>
-            <a:off x="1828800" y="2743200"/>
-            <a:ext cx="5486400" cy="1371600"/>
+            <a:off x="1371600" y="2743200"/>
+            <a:ext cx="6400800" cy="1371600"/>
           </a:xfrm>
           <a:prstGeom prst="rect">
             <a:avLst/>
@@ -4949,8 +4861,15 @@
           <a:bodyPr/>
           <a:lstStyle/>
           <a:p>
-            <a:r>
-              <a:t>Strategic Action Plan</a:t>
+            <a:pPr>
+              <a:defRPr>
+                <a:solidFill>
+                  <a:srgbClr val="002060"/>
+                </a:solidFill>
+              </a:defRPr>
+            </a:pPr>
+            <a:r>
+              <a:t>SEO Audit Findings Summary</a:t>
             </a:r>
           </a:p>
         </p:txBody>
@@ -4963,8 +4882,8 @@
         </p:nvSpPr>
         <p:spPr>
           <a:xfrm>
-            <a:off x="914400" y="1645920"/>
-            <a:ext cx="7315200" cy="4572000"/>
+            <a:off x="7772400" y="1097280"/>
+            <a:ext cx="914400" cy="457200"/>
           </a:xfrm>
           <a:prstGeom prst="rect">
             <a:avLst/>
@@ -4972,121 +4891,106 @@
           <a:noFill/>
         </p:spPr>
         <p:txBody>
+          <a:bodyPr wrap="none">
+            <a:spAutoFit/>
+          </a:bodyPr>
+          <a:lstStyle/>
+          <a:p>
+            <a:pPr algn="ctr">
+              <a:defRPr sz="1800" b="1"/>
+            </a:pPr>
+            <a:r>
+              <a:t>{Priority}</a:t>
+            </a:r>
+          </a:p>
+        </p:txBody>
+      </p:sp>
+      <p:sp>
+        <p:nvSpPr>
+          <p:cNvPr id="4" name="TextBox 3"/>
+          <p:cNvSpPr txBox="1"/>
+          <p:nvPr/>
+        </p:nvSpPr>
+        <p:spPr>
+          <a:xfrm>
+            <a:off x="914400" y="1828800"/>
+            <a:ext cx="7315200" cy="914400"/>
+          </a:xfrm>
+          <a:prstGeom prst="rect">
+            <a:avLst/>
+          </a:prstGeom>
+          <a:noFill/>
+        </p:spPr>
+        <p:txBody>
           <a:bodyPr wrap="square">
             <a:spAutoFit/>
           </a:bodyPr>
           <a:lstStyle/>
           <a:p>
             <a:pPr>
-              <a:defRPr sz="1200" b="1">
+              <a:defRPr sz="1000" b="1">
                 <a:solidFill>
                   <a:srgbClr val="646464"/>
                 </a:solidFill>
               </a:defRPr>
             </a:pPr>
             <a:r>
-              <a:t>NEXT ACTION KEY MESSAGE</a:t>
+              <a:t>KEY INSIGHT</a:t>
             </a:r>
           </a:p>
           <a:p>
             <a:pPr>
-              <a:spcAft>
-                <a:spcPts val="2000"/>
-              </a:spcAft>
-              <a:defRPr sz="1600" b="1"/>
-            </a:pPr>
-            <a:r>
-              <a:t>Leverage strong technical foundation to focus on content depth and authority building initiatives.</a:t>
-            </a:r>
-          </a:p>
+              <a:spcBef>
+                <a:spcPts val="1000"/>
+              </a:spcBef>
+              <a:defRPr sz="1600" b="1">
+                <a:solidFill>
+                  <a:srgbClr val="000000"/>
+                </a:solidFill>
+              </a:defRPr>
+            </a:pPr>
+            <a:r>
+              <a:t>{Key Highlight}</a:t>
+            </a:r>
+          </a:p>
+        </p:txBody>
+      </p:sp>
+      <p:sp>
+        <p:nvSpPr>
+          <p:cNvPr id="5" name="TextBox 4"/>
+          <p:cNvSpPr txBox="1"/>
+          <p:nvPr/>
+        </p:nvSpPr>
+        <p:spPr>
+          <a:xfrm>
+            <a:off x="914400" y="3200400"/>
+            <a:ext cx="7315200" cy="3200400"/>
+          </a:xfrm>
+          <a:prstGeom prst="rect">
+            <a:avLst/>
+          </a:prstGeom>
+          <a:noFill/>
+        </p:spPr>
+        <p:txBody>
+          <a:bodyPr wrap="square">
+            <a:spAutoFit/>
+          </a:bodyPr>
+          <a:lstStyle/>
           <a:p>
             <a:pPr>
-              <a:defRPr sz="1300" b="1">
-                <a:solidFill>
-                  <a:srgbClr val="9C27B0"/>
-                </a:solidFill>
-              </a:defRPr>
-            </a:pPr>
-            <a:r>
-              <a:t>TECHNICAL SEO</a:t>
-            </a:r>
-          </a:p>
-          <a:p>
-            <a:pPr lvl="1">
-              <a:defRPr sz="1100"/>
-            </a:pPr>
-            <a:r>
-              <a:t>• Issue: uncached JavaScript detected across site</a:t>
-            </a:r>
-          </a:p>
-          <a:p>
-            <a:pPr lvl="1">
-              <a:defRPr sz="1100"/>
-            </a:pPr>
-            <a:r>
-              <a:t>• Action: Prioritize remediation based on page value and traffic potential</a:t>
-            </a:r>
-          </a:p>
-          <a:p>
-            <a:pPr>
-              <a:spcAft>
-                <a:spcPts val="1000"/>
-              </a:spcAft>
-            </a:pPr>
-          </a:p>
-          <a:p>
-            <a:pPr>
-              <a:defRPr sz="1300" b="1">
-                <a:solidFill>
-                  <a:srgbClr val="9C27B0"/>
-                </a:solidFill>
-              </a:defRPr>
-            </a:pPr>
-            <a:r>
-              <a:t>CONTENT SEO</a:t>
-            </a:r>
-          </a:p>
-          <a:p>
-            <a:pPr lvl="1">
-              <a:defRPr sz="1100"/>
-            </a:pPr>
-            <a:r>
-              <a:t>• Issue: Duplicate H1 affecting 257 pages</a:t>
-            </a:r>
-          </a:p>
-          <a:p>
-            <a:pPr lvl="1">
-              <a:defRPr sz="1100"/>
-            </a:pPr>
-            <a:r>
-              <a:t>• Action: Deploy unique meta descriptions prioritizing high-value pages</a:t>
-            </a:r>
-          </a:p>
-          <a:p>
-            <a:pPr>
-              <a:spcAft>
-                <a:spcPts val="1000"/>
-              </a:spcAft>
-            </a:pPr>
-          </a:p>
-          <a:p>
-            <a:pPr>
-              <a:defRPr sz="1300" b="1">
-                <a:solidFill>
-                  <a:srgbClr val="9C27B0"/>
-                </a:solidFill>
-              </a:defRPr>
-            </a:pPr>
-            <a:r>
-              <a:t>DOMAIN AUTHORITY</a:t>
-            </a:r>
-          </a:p>
-          <a:p>
-            <a:pPr lvl="1">
-              <a:defRPr sz="1100"/>
-            </a:pPr>
-            <a:r>
-              <a:t>• Focus: Build topical authority through strategic content and link acquisition</a:t>
+              <a:defRPr sz="1200">
+                <a:solidFill>
+                  <a:srgbClr val="646464"/>
+                </a:solidFill>
+              </a:defRPr>
+            </a:pPr>
+            <a:r>
+              <a:t>{Observation &amp; Analysis}</a:t>
+            </a:r>
+            <a:br/>
+            <a:br/>
+            <a:r>
+              <a:t>{Data visualizations and detailed analysis go here}</a:t>
             </a:r>
           </a:p>
         </p:txBody>
@@ -5124,6 +5028,13 @@
           <a:bodyPr/>
           <a:lstStyle/>
           <a:p>
+            <a:pPr>
+              <a:defRPr>
+                <a:solidFill>
+                  <a:srgbClr val="002060"/>
+                </a:solidFill>
+              </a:defRPr>
+            </a:pPr>
             <a:r>
               <a:t>KPI Targets &amp; Benchmarks</a:t>
             </a:r>
@@ -5138,8 +5049,8 @@
         </p:nvSpPr>
         <p:spPr>
           <a:xfrm>
-            <a:off x="914400" y="1645920"/>
-            <a:ext cx="7315200" cy="4114800"/>
+            <a:off x="7772400" y="1097280"/>
+            <a:ext cx="914400" cy="457200"/>
           </a:xfrm>
           <a:prstGeom prst="rect">
             <a:avLst/>
@@ -5147,121 +5058,106 @@
           <a:noFill/>
         </p:spPr>
         <p:txBody>
+          <a:bodyPr wrap="none">
+            <a:spAutoFit/>
+          </a:bodyPr>
+          <a:lstStyle/>
+          <a:p>
+            <a:pPr algn="ctr">
+              <a:defRPr sz="1800" b="1"/>
+            </a:pPr>
+            <a:r>
+              <a:t>{Priority}</a:t>
+            </a:r>
+          </a:p>
+        </p:txBody>
+      </p:sp>
+      <p:sp>
+        <p:nvSpPr>
+          <p:cNvPr id="4" name="TextBox 3"/>
+          <p:cNvSpPr txBox="1"/>
+          <p:nvPr/>
+        </p:nvSpPr>
+        <p:spPr>
+          <a:xfrm>
+            <a:off x="914400" y="1828800"/>
+            <a:ext cx="7315200" cy="914400"/>
+          </a:xfrm>
+          <a:prstGeom prst="rect">
+            <a:avLst/>
+          </a:prstGeom>
+          <a:noFill/>
+        </p:spPr>
+        <p:txBody>
           <a:bodyPr wrap="square">
             <a:spAutoFit/>
           </a:bodyPr>
           <a:lstStyle/>
           <a:p>
             <a:pPr>
-              <a:defRPr sz="1400" b="1">
-                <a:solidFill>
-                  <a:srgbClr val="002060"/>
-                </a:solidFill>
-              </a:defRPr>
-            </a:pPr>
-            <a:r>
-              <a:t>SUCCESS METRICS</a:t>
+              <a:defRPr sz="1000" b="1">
+                <a:solidFill>
+                  <a:srgbClr val="646464"/>
+                </a:solidFill>
+              </a:defRPr>
+            </a:pPr>
+            <a:r>
+              <a:t>KEY INSIGHT</a:t>
             </a:r>
           </a:p>
           <a:p>
             <a:pPr>
-              <a:spcAft>
+              <a:spcBef>
                 <a:spcPts val="1000"/>
-              </a:spcAft>
-            </a:pPr>
-          </a:p>
+              </a:spcBef>
+              <a:defRPr sz="1600" b="1">
+                <a:solidFill>
+                  <a:srgbClr val="000000"/>
+                </a:solidFill>
+              </a:defRPr>
+            </a:pPr>
+            <a:r>
+              <a:t>{Key Highlight}</a:t>
+            </a:r>
+          </a:p>
+        </p:txBody>
+      </p:sp>
+      <p:sp>
+        <p:nvSpPr>
+          <p:cNvPr id="5" name="TextBox 4"/>
+          <p:cNvSpPr txBox="1"/>
+          <p:nvPr/>
+        </p:nvSpPr>
+        <p:spPr>
+          <a:xfrm>
+            <a:off x="914400" y="3200400"/>
+            <a:ext cx="7315200" cy="3200400"/>
+          </a:xfrm>
+          <a:prstGeom prst="rect">
+            <a:avLst/>
+          </a:prstGeom>
+          <a:noFill/>
+        </p:spPr>
+        <p:txBody>
+          <a:bodyPr wrap="square">
+            <a:spAutoFit/>
+          </a:bodyPr>
+          <a:lstStyle/>
           <a:p>
             <a:pPr>
-              <a:defRPr sz="1200" b="1"/>
-            </a:pPr>
-            <a:r>
-              <a:t>📊 ORGANIC TRAFFIC CTR</a:t>
-            </a:r>
-          </a:p>
-          <a:p>
-            <a:pPr lvl="1">
-              <a:defRPr sz="1100"/>
-            </a:pPr>
-            <a:r>
-              <a:t>• Current: Requires GSC data export</a:t>
-            </a:r>
-          </a:p>
-          <a:p>
-            <a:pPr lvl="1">
-              <a:defRPr sz="1100"/>
-            </a:pPr>
-            <a:r>
-              <a:t>• Target: +1% improvement</a:t>
-            </a:r>
-          </a:p>
-          <a:p>
-            <a:pPr lvl="1">
-              <a:defRPr sz="1100"/>
-            </a:pPr>
-            <a:r>
-              <a:t>• Industry Benchmark: 3-5% average</a:t>
-            </a:r>
-          </a:p>
-          <a:p>
-            <a:pPr>
-              <a:spcAft>
-                <a:spcPts val="1000"/>
-              </a:spcAft>
-            </a:pPr>
-          </a:p>
-          <a:p>
-            <a:pPr>
-              <a:defRPr sz="1200" b="1"/>
-            </a:pPr>
-            <a:r>
-              <a:t>📈 RANKING POSITION</a:t>
-            </a:r>
-          </a:p>
-          <a:p>
-            <a:pPr lvl="1">
-              <a:defRPr sz="1100"/>
-            </a:pPr>
-            <a:r>
-              <a:t>• Current: Requires SEMrush keyword position data</a:t>
-            </a:r>
-          </a:p>
-          <a:p>
-            <a:pPr lvl="1">
-              <a:defRPr sz="1100"/>
-            </a:pPr>
-            <a:r>
-              <a:t>• Target: 10-50% improvement on target keywords</a:t>
-            </a:r>
-          </a:p>
-          <a:p>
-            <a:pPr>
-              <a:spcAft>
-                <a:spcPts val="1000"/>
-              </a:spcAft>
-            </a:pPr>
-          </a:p>
-          <a:p>
-            <a:pPr>
-              <a:defRPr sz="1200" b="1"/>
-            </a:pPr>
-            <a:r>
-              <a:t>🎯 ORGANIC SESSIONS</a:t>
-            </a:r>
-          </a:p>
-          <a:p>
-            <a:pPr lvl="1">
-              <a:defRPr sz="1100"/>
-            </a:pPr>
-            <a:r>
-              <a:t>• Current: Requires GA4 organic session count</a:t>
-            </a:r>
-          </a:p>
-          <a:p>
-            <a:pPr lvl="1">
-              <a:defRPr sz="1100"/>
-            </a:pPr>
-            <a:r>
-              <a:t>• Target: +15% growth within 6 months</a:t>
+              <a:defRPr sz="1200">
+                <a:solidFill>
+                  <a:srgbClr val="646464"/>
+                </a:solidFill>
+              </a:defRPr>
+            </a:pPr>
+            <a:r>
+              <a:t>{Observation &amp; Analysis}</a:t>
+            </a:r>
+            <a:br/>
+            <a:br/>
+            <a:r>
+              <a:t>{Data visualizations and detailed analysis go here}</a:t>
             </a:r>
           </a:p>
         </p:txBody>
@@ -5319,41 +5215,6 @@
           </a:p>
         </p:txBody>
       </p:sp>
-      <p:sp>
-        <p:nvSpPr>
-          <p:cNvPr id="3" name="TextBox 2"/>
-          <p:cNvSpPr txBox="1"/>
-          <p:nvPr/>
-        </p:nvSpPr>
-        <p:spPr>
-          <a:xfrm>
-            <a:off x="1828800" y="4114800"/>
-            <a:ext cx="5486400" cy="914400"/>
-          </a:xfrm>
-          <a:prstGeom prst="rect">
-            <a:avLst/>
-          </a:prstGeom>
-          <a:noFill/>
-        </p:spPr>
-        <p:txBody>
-          <a:bodyPr wrap="none">
-            <a:spAutoFit/>
-          </a:bodyPr>
-          <a:lstStyle/>
-          <a:p>
-            <a:pPr algn="ctr">
-              <a:defRPr sz="1400">
-                <a:solidFill>
-                  <a:srgbClr val="646464"/>
-                </a:solidFill>
-              </a:defRPr>
-            </a:pPr>
-            <a:r>
-              <a:t>Ready to transform your organic visibility into competitive advantage.</a:t>
-            </a:r>
-          </a:p>
-        </p:txBody>
-      </p:sp>
     </p:spTree>
   </p:cSld>
   <p:clrMapOvr>
@@ -5387,6 +5248,13 @@
           <a:bodyPr/>
           <a:lstStyle/>
           <a:p>
+            <a:pPr>
+              <a:defRPr>
+                <a:solidFill>
+                  <a:srgbClr val="002060"/>
+                </a:solidFill>
+              </a:defRPr>
+            </a:pPr>
             <a:r>
               <a:t>Planning Phase</a:t>
             </a:r>
@@ -5407,36 +5275,7 @@
         <p:txBody>
           <a:bodyPr/>
           <a:lstStyle/>
-          <a:p>
-            <a:pPr/>
-            <a:r>
-              <a:t>Strategic Audit — Before Implementation</a:t>
-            </a:r>
-          </a:p>
-          <a:p>
-            <a:pPr lvl="1"/>
-            <a:r>
-              <a:t>Discovery: Understanding current state and competitive landscape</a:t>
-            </a:r>
-          </a:p>
-          <a:p>
-            <a:pPr lvl="1"/>
-            <a:r>
-              <a:t>Analysis: Identifying critical gaps and opportunities</a:t>
-            </a:r>
-          </a:p>
-          <a:p>
-            <a:pPr lvl="1"/>
-            <a:r>
-              <a:t>Prioritization: Ranking initiatives by business impact</a:t>
-            </a:r>
-          </a:p>
-          <a:p>
-            <a:pPr lvl="1"/>
-            <a:r>
-              <a:t>Roadmap: Defining clear path from insight to execution</a:t>
-            </a:r>
-          </a:p>
+          <a:p/>
         </p:txBody>
       </p:sp>
     </p:spTree>
@@ -5472,8 +5311,15 @@
           <a:bodyPr/>
           <a:lstStyle/>
           <a:p>
-            <a:r>
-              <a:t>What We'll Cover</a:t>
+            <a:pPr>
+              <a:defRPr>
+                <a:solidFill>
+                  <a:srgbClr val="002060"/>
+                </a:solidFill>
+              </a:defRPr>
+            </a:pPr>
+            <a:r>
+              <a:t>Index</a:t>
             </a:r>
           </a:p>
         </p:txBody>
@@ -5492,54 +5338,7 @@
         <p:txBody>
           <a:bodyPr/>
           <a:lstStyle/>
-          <a:p>
-            <a:pPr>
-              <a:defRPr sz="1800"/>
-            </a:pPr>
-            <a:r>
-              <a:t>Executive Summary — The Headline Story</a:t>
-            </a:r>
-          </a:p>
-          <a:p>
-            <a:pPr>
-              <a:defRPr sz="1800"/>
-            </a:pPr>
-            <a:r>
-              <a:t>Current Position — Where You Stand Today</a:t>
-            </a:r>
-          </a:p>
-          <a:p>
-            <a:pPr>
-              <a:defRPr sz="1800"/>
-            </a:pPr>
-            <a:r>
-              <a:t>Content Gaps — Missed Opportunities</a:t>
-            </a:r>
-          </a:p>
-          <a:p>
-            <a:pPr>
-              <a:defRPr sz="1800"/>
-            </a:pPr>
-            <a:r>
-              <a:t>Technical Barriers — What's Blocking Growth</a:t>
-            </a:r>
-          </a:p>
-          <a:p>
-            <a:pPr>
-              <a:defRPr sz="1800"/>
-            </a:pPr>
-            <a:r>
-              <a:t>Authority Assessment — Competitive Weight</a:t>
-            </a:r>
-          </a:p>
-          <a:p>
-            <a:pPr>
-              <a:defRPr sz="1800"/>
-            </a:pPr>
-            <a:r>
-              <a:t>Action Plan — Path Forward</a:t>
-            </a:r>
-          </a:p>
+          <a:p/>
         </p:txBody>
       </p:sp>
     </p:spTree>
@@ -5575,8 +5374,15 @@
           <a:bodyPr/>
           <a:lstStyle/>
           <a:p>
-            <a:r>
-              <a:t>Path to Digital Visibility — Executive Summary</a:t>
+            <a:pPr>
+              <a:defRPr>
+                <a:solidFill>
+                  <a:srgbClr val="002060"/>
+                </a:solidFill>
+              </a:defRPr>
+            </a:pPr>
+            <a:r>
+              <a:t>Path to Digital Visibility</a:t>
             </a:r>
           </a:p>
         </p:txBody>
@@ -5589,8 +5395,8 @@
         </p:nvSpPr>
         <p:spPr>
           <a:xfrm>
-            <a:off x="914400" y="1828800"/>
-            <a:ext cx="7315200" cy="3657600"/>
+            <a:off x="457200" y="1828800"/>
+            <a:ext cx="1828800" cy="365760"/>
           </a:xfrm>
           <a:prstGeom prst="rect">
             <a:avLst/>
@@ -5598,29 +5404,265 @@
           <a:noFill/>
         </p:spPr>
         <p:txBody>
+          <a:bodyPr wrap="none">
+            <a:spAutoFit/>
+          </a:bodyPr>
+          <a:lstStyle/>
+          <a:p>
+            <a:pPr>
+              <a:defRPr sz="1200" b="1">
+                <a:solidFill>
+                  <a:srgbClr val="9C27B0"/>
+                </a:solidFill>
+              </a:defRPr>
+            </a:pPr>
+            <a:r>
+              <a:t>General Overview</a:t>
+            </a:r>
+          </a:p>
+        </p:txBody>
+      </p:sp>
+      <p:sp>
+        <p:nvSpPr>
+          <p:cNvPr id="4" name="TextBox 3"/>
+          <p:cNvSpPr txBox="1"/>
+          <p:nvPr/>
+        </p:nvSpPr>
+        <p:spPr>
+          <a:xfrm>
+            <a:off x="457200" y="2286000"/>
+            <a:ext cx="1828800" cy="3200400"/>
+          </a:xfrm>
+          <a:prstGeom prst="rect">
+            <a:avLst/>
+          </a:prstGeom>
+          <a:noFill/>
+        </p:spPr>
+        <p:txBody>
           <a:bodyPr wrap="square">
             <a:spAutoFit/>
           </a:bodyPr>
           <a:lstStyle/>
           <a:p>
             <a:pPr>
-              <a:spcAft>
-                <a:spcPts val="1200"/>
-              </a:spcAft>
-              <a:defRPr sz="1400"/>
-            </a:pPr>
-            <a:r>
-              <a:t>**Strong Foundation with Optimization Opportunities**</a:t>
-            </a:r>
-            <a:br/>
-            <a:br/>
-            <a:r>
-              <a:t>Site health at 75% demonstrates solid technical foundation. While 11 issues exist, the infrastructure supports organic growth initiatives.</a:t>
-            </a:r>
-            <a:br/>
-            <a:br/>
-            <a:r>
-              <a:t>**Focus Area:** Shift attention to content optimization and authority building to maximize competitive positioning.</a:t>
+              <a:defRPr sz="1000">
+                <a:solidFill>
+                  <a:srgbClr val="646464"/>
+                </a:solidFill>
+              </a:defRPr>
+            </a:pPr>
+            <a:r>
+              <a:t>Strong foundation with optimization opportunities for competitive growth</a:t>
+            </a:r>
+          </a:p>
+        </p:txBody>
+      </p:sp>
+      <p:sp>
+        <p:nvSpPr>
+          <p:cNvPr id="5" name="TextBox 4"/>
+          <p:cNvSpPr txBox="1"/>
+          <p:nvPr/>
+        </p:nvSpPr>
+        <p:spPr>
+          <a:xfrm>
+            <a:off x="2651760" y="1828800"/>
+            <a:ext cx="1828800" cy="365760"/>
+          </a:xfrm>
+          <a:prstGeom prst="rect">
+            <a:avLst/>
+          </a:prstGeom>
+          <a:noFill/>
+        </p:spPr>
+        <p:txBody>
+          <a:bodyPr wrap="none">
+            <a:spAutoFit/>
+          </a:bodyPr>
+          <a:lstStyle/>
+          <a:p>
+            <a:pPr>
+              <a:defRPr sz="1200" b="1">
+                <a:solidFill>
+                  <a:srgbClr val="9C27B0"/>
+                </a:solidFill>
+              </a:defRPr>
+            </a:pPr>
+            <a:r>
+              <a:t>Content SEO</a:t>
+            </a:r>
+          </a:p>
+        </p:txBody>
+      </p:sp>
+      <p:sp>
+        <p:nvSpPr>
+          <p:cNvPr id="6" name="TextBox 5"/>
+          <p:cNvSpPr txBox="1"/>
+          <p:nvPr/>
+        </p:nvSpPr>
+        <p:spPr>
+          <a:xfrm>
+            <a:off x="2651760" y="2286000"/>
+            <a:ext cx="1828800" cy="3200400"/>
+          </a:xfrm>
+          <a:prstGeom prst="rect">
+            <a:avLst/>
+          </a:prstGeom>
+          <a:noFill/>
+        </p:spPr>
+        <p:txBody>
+          <a:bodyPr wrap="square">
+            <a:spAutoFit/>
+          </a:bodyPr>
+          <a:lstStyle/>
+          <a:p>
+            <a:pPr>
+              <a:defRPr sz="1000">
+                <a:solidFill>
+                  <a:srgbClr val="646464"/>
+                </a:solidFill>
+              </a:defRPr>
+            </a:pPr>
+            <a:r>
+              <a:t>Meta optimization gaps suppress visibility across indexed pages</a:t>
+            </a:r>
+          </a:p>
+        </p:txBody>
+      </p:sp>
+      <p:sp>
+        <p:nvSpPr>
+          <p:cNvPr id="7" name="TextBox 6"/>
+          <p:cNvSpPr txBox="1"/>
+          <p:nvPr/>
+        </p:nvSpPr>
+        <p:spPr>
+          <a:xfrm>
+            <a:off x="4846320" y="1828800"/>
+            <a:ext cx="1828800" cy="365760"/>
+          </a:xfrm>
+          <a:prstGeom prst="rect">
+            <a:avLst/>
+          </a:prstGeom>
+          <a:noFill/>
+        </p:spPr>
+        <p:txBody>
+          <a:bodyPr wrap="none">
+            <a:spAutoFit/>
+          </a:bodyPr>
+          <a:lstStyle/>
+          <a:p>
+            <a:pPr>
+              <a:defRPr sz="1200" b="1">
+                <a:solidFill>
+                  <a:srgbClr val="9C27B0"/>
+                </a:solidFill>
+              </a:defRPr>
+            </a:pPr>
+            <a:r>
+              <a:t>Technical SEO</a:t>
+            </a:r>
+          </a:p>
+        </p:txBody>
+      </p:sp>
+      <p:sp>
+        <p:nvSpPr>
+          <p:cNvPr id="8" name="TextBox 7"/>
+          <p:cNvSpPr txBox="1"/>
+          <p:nvPr/>
+        </p:nvSpPr>
+        <p:spPr>
+          <a:xfrm>
+            <a:off x="4846320" y="2286000"/>
+            <a:ext cx="1828800" cy="3200400"/>
+          </a:xfrm>
+          <a:prstGeom prst="rect">
+            <a:avLst/>
+          </a:prstGeom>
+          <a:noFill/>
+        </p:spPr>
+        <p:txBody>
+          <a:bodyPr wrap="square">
+            <a:spAutoFit/>
+          </a:bodyPr>
+          <a:lstStyle/>
+          <a:p>
+            <a:pPr>
+              <a:defRPr sz="1000">
+                <a:solidFill>
+                  <a:srgbClr val="646464"/>
+                </a:solidFill>
+              </a:defRPr>
+            </a:pPr>
+            <a:r>
+              <a:t>Solid technical base at 75% enables content and authority investments</a:t>
+            </a:r>
+          </a:p>
+        </p:txBody>
+      </p:sp>
+      <p:sp>
+        <p:nvSpPr>
+          <p:cNvPr id="9" name="TextBox 8"/>
+          <p:cNvSpPr txBox="1"/>
+          <p:nvPr/>
+        </p:nvSpPr>
+        <p:spPr>
+          <a:xfrm>
+            <a:off x="7040880" y="1828800"/>
+            <a:ext cx="1828800" cy="365760"/>
+          </a:xfrm>
+          <a:prstGeom prst="rect">
+            <a:avLst/>
+          </a:prstGeom>
+          <a:noFill/>
+        </p:spPr>
+        <p:txBody>
+          <a:bodyPr wrap="none">
+            <a:spAutoFit/>
+          </a:bodyPr>
+          <a:lstStyle/>
+          <a:p>
+            <a:pPr>
+              <a:defRPr sz="1200" b="1">
+                <a:solidFill>
+                  <a:srgbClr val="9C27B0"/>
+                </a:solidFill>
+              </a:defRPr>
+            </a:pPr>
+            <a:r>
+              <a:t>Domain Authority</a:t>
+            </a:r>
+          </a:p>
+        </p:txBody>
+      </p:sp>
+      <p:sp>
+        <p:nvSpPr>
+          <p:cNvPr id="10" name="TextBox 9"/>
+          <p:cNvSpPr txBox="1"/>
+          <p:nvPr/>
+        </p:nvSpPr>
+        <p:spPr>
+          <a:xfrm>
+            <a:off x="7040880" y="2286000"/>
+            <a:ext cx="1828800" cy="3200400"/>
+          </a:xfrm>
+          <a:prstGeom prst="rect">
+            <a:avLst/>
+          </a:prstGeom>
+          <a:noFill/>
+        </p:spPr>
+        <p:txBody>
+          <a:bodyPr wrap="square">
+            <a:spAutoFit/>
+          </a:bodyPr>
+          <a:lstStyle/>
+          <a:p>
+            <a:pPr>
+              <a:defRPr sz="1000">
+                <a:solidFill>
+                  <a:srgbClr val="646464"/>
+                </a:solidFill>
+              </a:defRPr>
+            </a:pPr>
+            <a:r>
+              <a:t>Authority building required to compete for high-value terms</a:t>
             </a:r>
           </a:p>
         </p:txBody>
@@ -5651,8 +5693,8 @@
         </p:nvSpPr>
         <p:spPr>
           <a:xfrm>
-            <a:off x="1828800" y="2743200"/>
-            <a:ext cx="5486400" cy="1371600"/>
+            <a:off x="1371600" y="2743200"/>
+            <a:ext cx="6400800" cy="1371600"/>
           </a:xfrm>
           <a:prstGeom prst="rect">
             <a:avLst/>
@@ -5711,6 +5753,13 @@
           <a:bodyPr/>
           <a:lstStyle/>
           <a:p>
+            <a:pPr>
+              <a:defRPr>
+                <a:solidFill>
+                  <a:srgbClr val="002060"/>
+                </a:solidFill>
+              </a:defRPr>
+            </a:pPr>
             <a:r>
               <a:t>Organic Traffic Analysis</a:t>
             </a:r>
@@ -5725,8 +5774,8 @@
         </p:nvSpPr>
         <p:spPr>
           <a:xfrm>
-            <a:off x="914400" y="1645920"/>
-            <a:ext cx="7315200" cy="4114800"/>
+            <a:off x="7772400" y="1097280"/>
+            <a:ext cx="914400" cy="457200"/>
           </a:xfrm>
           <a:prstGeom prst="rect">
             <a:avLst/>
@@ -5734,13 +5783,44 @@
           <a:noFill/>
         </p:spPr>
         <p:txBody>
+          <a:bodyPr wrap="none">
+            <a:spAutoFit/>
+          </a:bodyPr>
+          <a:lstStyle/>
+          <a:p>
+            <a:pPr algn="ctr">
+              <a:defRPr sz="1800" b="1"/>
+            </a:pPr>
+            <a:r>
+              <a:t>{Priority}</a:t>
+            </a:r>
+          </a:p>
+        </p:txBody>
+      </p:sp>
+      <p:sp>
+        <p:nvSpPr>
+          <p:cNvPr id="4" name="TextBox 3"/>
+          <p:cNvSpPr txBox="1"/>
+          <p:nvPr/>
+        </p:nvSpPr>
+        <p:spPr>
+          <a:xfrm>
+            <a:off x="914400" y="1828800"/>
+            <a:ext cx="7315200" cy="914400"/>
+          </a:xfrm>
+          <a:prstGeom prst="rect">
+            <a:avLst/>
+          </a:prstGeom>
+          <a:noFill/>
+        </p:spPr>
+        <p:txBody>
           <a:bodyPr wrap="square">
             <a:spAutoFit/>
           </a:bodyPr>
           <a:lstStyle/>
           <a:p>
             <a:pPr>
-              <a:defRPr sz="1200" b="1">
+              <a:defRPr sz="1000" b="1">
                 <a:solidFill>
                   <a:srgbClr val="646464"/>
                 </a:solidFill>
@@ -5752,45 +5832,57 @@
           </a:p>
           <a:p>
             <a:pPr>
-              <a:spcAft>
-                <a:spcPts val="1500"/>
-              </a:spcAft>
-              <a:defRPr sz="1400"/>
-            </a:pPr>
-            <a:r>
-              <a:t>Organic traffic performance requires GA4 and SEMrush data for complete analysis. Current implementation focuses on technical foundation assessment.</a:t>
-            </a:r>
-          </a:p>
+              <a:spcBef>
+                <a:spcPts val="1000"/>
+              </a:spcBef>
+              <a:defRPr sz="1600" b="1">
+                <a:solidFill>
+                  <a:srgbClr val="000000"/>
+                </a:solidFill>
+              </a:defRPr>
+            </a:pPr>
+            <a:r>
+              <a:t>{Key Highlight}</a:t>
+            </a:r>
+          </a:p>
+        </p:txBody>
+      </p:sp>
+      <p:sp>
+        <p:nvSpPr>
+          <p:cNvPr id="5" name="TextBox 4"/>
+          <p:cNvSpPr txBox="1"/>
+          <p:nvPr/>
+        </p:nvSpPr>
+        <p:spPr>
+          <a:xfrm>
+            <a:off x="914400" y="3200400"/>
+            <a:ext cx="7315200" cy="3200400"/>
+          </a:xfrm>
+          <a:prstGeom prst="rect">
+            <a:avLst/>
+          </a:prstGeom>
+          <a:noFill/>
+        </p:spPr>
+        <p:txBody>
+          <a:bodyPr wrap="square">
+            <a:spAutoFit/>
+          </a:bodyPr>
+          <a:lstStyle/>
           <a:p>
             <a:pPr>
-              <a:defRPr sz="1300" b="1"/>
-            </a:pPr>
-            <a:r>
-              <a:t>📊 Recommended Data Sources:</a:t>
-            </a:r>
-          </a:p>
-          <a:p>
-            <a:pPr lvl="1">
-              <a:defRPr sz="1200"/>
-            </a:pPr>
-            <a:r>
-              <a:t>• GA4: Channel distribution (Organic vs. Direct vs. Paid)</a:t>
-            </a:r>
-          </a:p>
-          <a:p>
-            <a:pPr lvl="1">
-              <a:defRPr sz="1200"/>
-            </a:pPr>
-            <a:r>
-              <a:t>• GA4: Geographic sessions by country</a:t>
-            </a:r>
-          </a:p>
-          <a:p>
-            <a:pPr lvl="1">
-              <a:defRPr sz="1200"/>
-            </a:pPr>
-            <a:r>
-              <a:t>• SEMrush: Keyword position distribution (1-3, 4-10, 11-20, 21+)</a:t>
+              <a:defRPr sz="1200">
+                <a:solidFill>
+                  <a:srgbClr val="646464"/>
+                </a:solidFill>
+              </a:defRPr>
+            </a:pPr>
+            <a:r>
+              <a:t>{Observation &amp; Analysis}</a:t>
+            </a:r>
+            <a:br/>
+            <a:br/>
+            <a:r>
+              <a:t>{Data visualizations and detailed analysis go here}</a:t>
             </a:r>
           </a:p>
         </p:txBody>
@@ -5828,6 +5920,13 @@
           <a:bodyPr/>
           <a:lstStyle/>
           <a:p>
+            <a:pPr>
+              <a:defRPr>
+                <a:solidFill>
+                  <a:srgbClr val="002060"/>
+                </a:solidFill>
+              </a:defRPr>
+            </a:pPr>
             <a:r>
               <a:t>Competitive Benchmarking</a:t>
             </a:r>
@@ -5842,8 +5941,8 @@
         </p:nvSpPr>
         <p:spPr>
           <a:xfrm>
-            <a:off x="914400" y="1645920"/>
-            <a:ext cx="7315200" cy="4114800"/>
+            <a:off x="7772400" y="1097280"/>
+            <a:ext cx="914400" cy="457200"/>
           </a:xfrm>
           <a:prstGeom prst="rect">
             <a:avLst/>
@@ -5851,13 +5950,44 @@
           <a:noFill/>
         </p:spPr>
         <p:txBody>
+          <a:bodyPr wrap="none">
+            <a:spAutoFit/>
+          </a:bodyPr>
+          <a:lstStyle/>
+          <a:p>
+            <a:pPr algn="ctr">
+              <a:defRPr sz="1800" b="1"/>
+            </a:pPr>
+            <a:r>
+              <a:t>{Priority}</a:t>
+            </a:r>
+          </a:p>
+        </p:txBody>
+      </p:sp>
+      <p:sp>
+        <p:nvSpPr>
+          <p:cNvPr id="4" name="TextBox 3"/>
+          <p:cNvSpPr txBox="1"/>
+          <p:nvPr/>
+        </p:nvSpPr>
+        <p:spPr>
+          <a:xfrm>
+            <a:off x="914400" y="1828800"/>
+            <a:ext cx="7315200" cy="914400"/>
+          </a:xfrm>
+          <a:prstGeom prst="rect">
+            <a:avLst/>
+          </a:prstGeom>
+          <a:noFill/>
+        </p:spPr>
+        <p:txBody>
           <a:bodyPr wrap="square">
             <a:spAutoFit/>
           </a:bodyPr>
           <a:lstStyle/>
           <a:p>
             <a:pPr>
-              <a:defRPr sz="1200" b="1">
+              <a:defRPr sz="1000" b="1">
                 <a:solidFill>
                   <a:srgbClr val="646464"/>
                 </a:solidFill>
@@ -5869,61 +5999,57 @@
           </a:p>
           <a:p>
             <a:pPr>
-              <a:spcAft>
-                <a:spcPts val="1500"/>
-              </a:spcAft>
-              <a:defRPr sz="1400"/>
-            </a:pPr>
-            <a:r>
-              <a:t>Competitive analysis requires multi-source data to establish market positioning across authority, traffic, and keyword performance metrics.</a:t>
-            </a:r>
-          </a:p>
+              <a:spcBef>
+                <a:spcPts val="1000"/>
+              </a:spcBef>
+              <a:defRPr sz="1600" b="1">
+                <a:solidFill>
+                  <a:srgbClr val="000000"/>
+                </a:solidFill>
+              </a:defRPr>
+            </a:pPr>
+            <a:r>
+              <a:t>{Key Highlight}</a:t>
+            </a:r>
+          </a:p>
+        </p:txBody>
+      </p:sp>
+      <p:sp>
+        <p:nvSpPr>
+          <p:cNvPr id="5" name="TextBox 4"/>
+          <p:cNvSpPr txBox="1"/>
+          <p:nvPr/>
+        </p:nvSpPr>
+        <p:spPr>
+          <a:xfrm>
+            <a:off x="914400" y="3200400"/>
+            <a:ext cx="7315200" cy="3200400"/>
+          </a:xfrm>
+          <a:prstGeom prst="rect">
+            <a:avLst/>
+          </a:prstGeom>
+          <a:noFill/>
+        </p:spPr>
+        <p:txBody>
+          <a:bodyPr wrap="square">
+            <a:spAutoFit/>
+          </a:bodyPr>
+          <a:lstStyle/>
           <a:p>
             <a:pPr>
-              <a:defRPr sz="1300" b="1"/>
-            </a:pPr>
-            <a:r>
-              <a:t>📊 Competitive Metrics Table:</a:t>
-            </a:r>
-          </a:p>
-          <a:p>
-            <a:pPr lvl="1">
-              <a:defRPr sz="1100"/>
-            </a:pPr>
-            <a:r>
-              <a:t>• Domain Rating (Ahrefs) - Authority comparison</a:t>
-            </a:r>
-          </a:p>
-          <a:p>
-            <a:pPr lvl="1">
-              <a:defRPr sz="1100"/>
-            </a:pPr>
-            <a:r>
-              <a:t>• Monthly Traffic (SEMrush) - Visibility gap analysis</a:t>
-            </a:r>
-          </a:p>
-          <a:p>
-            <a:pPr lvl="1">
-              <a:defRPr sz="1100"/>
-            </a:pPr>
-            <a:r>
-              <a:t>• Total Keywords - Content coverage comparison</a:t>
-            </a:r>
-          </a:p>
-          <a:p>
-            <a:pPr lvl="1">
-              <a:defRPr sz="1100"/>
-            </a:pPr>
-            <a:r>
-              <a:t>• Page 1 Keywords - Competitive SERP presence</a:t>
-            </a:r>
-          </a:p>
-          <a:p>
-            <a:pPr lvl="1">
-              <a:defRPr sz="1100"/>
-            </a:pPr>
-            <a:r>
-              <a:t>• Referring Domains - Link equity assessment</a:t>
+              <a:defRPr sz="1200">
+                <a:solidFill>
+                  <a:srgbClr val="646464"/>
+                </a:solidFill>
+              </a:defRPr>
+            </a:pPr>
+            <a:r>
+              <a:t>{Observation &amp; Analysis}</a:t>
+            </a:r>
+            <a:br/>
+            <a:br/>
+            <a:r>
+              <a:t>{Data visualizations and detailed analysis go here}</a:t>
             </a:r>
           </a:p>
         </p:txBody>
@@ -5961,8 +6087,15 @@
           <a:bodyPr/>
           <a:lstStyle/>
           <a:p>
-            <a:r>
-              <a:t>User Engagement Quality</a:t>
+            <a:pPr>
+              <a:defRPr>
+                <a:solidFill>
+                  <a:srgbClr val="002060"/>
+                </a:solidFill>
+              </a:defRPr>
+            </a:pPr>
+            <a:r>
+              <a:t>User Engagement</a:t>
             </a:r>
           </a:p>
         </p:txBody>
@@ -5975,8 +6108,8 @@
         </p:nvSpPr>
         <p:spPr>
           <a:xfrm>
-            <a:off x="914400" y="1645920"/>
-            <a:ext cx="7315200" cy="4114800"/>
+            <a:off x="7772400" y="1097280"/>
+            <a:ext cx="914400" cy="457200"/>
           </a:xfrm>
           <a:prstGeom prst="rect">
             <a:avLst/>
@@ -5984,13 +6117,44 @@
           <a:noFill/>
         </p:spPr>
         <p:txBody>
+          <a:bodyPr wrap="none">
+            <a:spAutoFit/>
+          </a:bodyPr>
+          <a:lstStyle/>
+          <a:p>
+            <a:pPr algn="ctr">
+              <a:defRPr sz="1800" b="1"/>
+            </a:pPr>
+            <a:r>
+              <a:t>{Priority}</a:t>
+            </a:r>
+          </a:p>
+        </p:txBody>
+      </p:sp>
+      <p:sp>
+        <p:nvSpPr>
+          <p:cNvPr id="4" name="TextBox 3"/>
+          <p:cNvSpPr txBox="1"/>
+          <p:nvPr/>
+        </p:nvSpPr>
+        <p:spPr>
+          <a:xfrm>
+            <a:off x="914400" y="1828800"/>
+            <a:ext cx="7315200" cy="914400"/>
+          </a:xfrm>
+          <a:prstGeom prst="rect">
+            <a:avLst/>
+          </a:prstGeom>
+          <a:noFill/>
+        </p:spPr>
+        <p:txBody>
           <a:bodyPr wrap="square">
             <a:spAutoFit/>
           </a:bodyPr>
           <a:lstStyle/>
           <a:p>
             <a:pPr>
-              <a:defRPr sz="1200" b="1">
+              <a:defRPr sz="1000" b="1">
                 <a:solidFill>
                   <a:srgbClr val="646464"/>
                 </a:solidFill>
@@ -6002,68 +6166,57 @@
           </a:p>
           <a:p>
             <a:pPr>
-              <a:spcAft>
-                <a:spcPts val="1500"/>
-              </a:spcAft>
-              <a:defRPr sz="1400" b="1"/>
-            </a:pPr>
-            <a:r>
-              <a:t>Traffic volume means nothing if users don't engage. Engagement metrics reveal content-intent alignment and conversion potential.</a:t>
-            </a:r>
-          </a:p>
+              <a:spcBef>
+                <a:spcPts val="1000"/>
+              </a:spcBef>
+              <a:defRPr sz="1600" b="1">
+                <a:solidFill>
+                  <a:srgbClr val="000000"/>
+                </a:solidFill>
+              </a:defRPr>
+            </a:pPr>
+            <a:r>
+              <a:t>{Key Highlight}</a:t>
+            </a:r>
+          </a:p>
+        </p:txBody>
+      </p:sp>
+      <p:sp>
+        <p:nvSpPr>
+          <p:cNvPr id="5" name="TextBox 4"/>
+          <p:cNvSpPr txBox="1"/>
+          <p:nvPr/>
+        </p:nvSpPr>
+        <p:spPr>
+          <a:xfrm>
+            <a:off x="914400" y="3200400"/>
+            <a:ext cx="7315200" cy="3200400"/>
+          </a:xfrm>
+          <a:prstGeom prst="rect">
+            <a:avLst/>
+          </a:prstGeom>
+          <a:noFill/>
+        </p:spPr>
+        <p:txBody>
+          <a:bodyPr wrap="square">
+            <a:spAutoFit/>
+          </a:bodyPr>
+          <a:lstStyle/>
           <a:p>
             <a:pPr>
-              <a:defRPr sz="1200" b="1">
+              <a:defRPr sz="1200">
                 <a:solidFill>
                   <a:srgbClr val="646464"/>
                 </a:solidFill>
               </a:defRPr>
             </a:pPr>
             <a:r>
-              <a:t>GA4 ENGAGEMENT METRICS</a:t>
-            </a:r>
-          </a:p>
-          <a:p>
-            <a:pPr lvl="1">
-              <a:defRPr sz="1200"/>
-            </a:pPr>
-            <a:r>
-              <a:t>• Engagement Rate: % of sessions with meaningful interaction</a:t>
-            </a:r>
-          </a:p>
-          <a:p>
-            <a:pPr lvl="1">
-              <a:defRPr sz="1200"/>
-            </a:pPr>
-            <a:r>
-              <a:t>• Engaged Sessions: Sessions &gt;10s with 2+ pageviews or conversion</a:t>
-            </a:r>
-          </a:p>
-          <a:p>
-            <a:pPr lvl="1">
-              <a:defRPr sz="1200"/>
-            </a:pPr>
-            <a:r>
-              <a:t>• Avg Session Duration: Time spent on site</a:t>
-            </a:r>
-          </a:p>
-          <a:p>
-            <a:pPr>
-              <a:spcAft>
-                <a:spcPts val="1000"/>
-              </a:spcAft>
-            </a:pPr>
-          </a:p>
-          <a:p>
-            <a:pPr>
-              <a:defRPr sz="1100">
-                <a:solidFill>
-                  <a:srgbClr val="C83232"/>
-                </a:solidFill>
-              </a:defRPr>
-            </a:pPr>
-            <a:r>
-              <a:t>⚠️ Benchmark: Engagement rate &gt;50% indicates quality traffic</a:t>
+              <a:t>{Observation &amp; Analysis}</a:t>
+            </a:r>
+            <a:br/>
+            <a:br/>
+            <a:r>
+              <a:t>{Data visualizations and detailed analysis go here}</a:t>
             </a:r>
           </a:p>
         </p:txBody>

--- a/SEO_Strategy.pptx
+++ b/SEO_Strategy.pptx
@@ -3344,7 +3344,7 @@
               </a:defRPr>
             </a:pPr>
             <a:r>
-              <a:t>Technical foundation is solid at 75% health score, with 11 minor issues to address.</a:t>
+              <a:t>Site health registers 75% with 11 maintenance-level issues indicating foundation is stable though optimization opportunities exist, which allowing strategic focus to shift toward content depth and authority building.</a:t>
             </a:r>
           </a:p>
         </p:txBody>
@@ -3379,7 +3379,7 @@
               </a:defRPr>
             </a:pPr>
             <a:r>
-              <a:t>Crawled 10,000 pages | Found 11 issues | Priority: Systematic remediation required</a:t>
+              <a:t>Foundation is stable with 11 maintenance items. Technical health at 75% supports growth initiatives. Focus: ongoing monitoring and gradual optimization.</a:t>
             </a:r>
             <a:br/>
             <a:br/>
